--- a/테이블명세서.pptx
+++ b/테이블명세서.pptx
@@ -8,8 +8,8 @@
     <p:sldId id="257" r:id="rId5"/>
     <p:sldId id="256" r:id="rId6"/>
     <p:sldId id="258" r:id="rId7"/>
-    <p:sldId id="259" r:id="rId8"/>
-    <p:sldId id="260" r:id="rId9"/>
+    <p:sldId id="260" r:id="rId8"/>
+    <p:sldId id="259" r:id="rId9"/>
   </p:sldIdLst>
   <p:sldSz cx="12192000" cy="6858000"/>
   <p:notesSz cx="6858000" cy="9144000"/>
@@ -274,7 +274,7 @@
           <a:p>
             <a:fld id="{A3B6C0BC-2D36-4CAB-9236-43779D68D787}" type="datetimeFigureOut">
               <a:rPr lang="ko-KR" altLang="en-US" smtClean="0"/>
-              <a:t>2025-11-17</a:t>
+              <a:t>2025-12-01</a:t>
             </a:fld>
             <a:endParaRPr lang="ko-KR" altLang="en-US"/>
           </a:p>
@@ -472,7 +472,7 @@
           <a:p>
             <a:fld id="{A3B6C0BC-2D36-4CAB-9236-43779D68D787}" type="datetimeFigureOut">
               <a:rPr lang="ko-KR" altLang="en-US" smtClean="0"/>
-              <a:t>2025-11-17</a:t>
+              <a:t>2025-12-01</a:t>
             </a:fld>
             <a:endParaRPr lang="ko-KR" altLang="en-US"/>
           </a:p>
@@ -680,7 +680,7 @@
           <a:p>
             <a:fld id="{A3B6C0BC-2D36-4CAB-9236-43779D68D787}" type="datetimeFigureOut">
               <a:rPr lang="ko-KR" altLang="en-US" smtClean="0"/>
-              <a:t>2025-11-17</a:t>
+              <a:t>2025-12-01</a:t>
             </a:fld>
             <a:endParaRPr lang="ko-KR" altLang="en-US"/>
           </a:p>
@@ -878,7 +878,7 @@
           <a:p>
             <a:fld id="{A3B6C0BC-2D36-4CAB-9236-43779D68D787}" type="datetimeFigureOut">
               <a:rPr lang="ko-KR" altLang="en-US" smtClean="0"/>
-              <a:t>2025-11-17</a:t>
+              <a:t>2025-12-01</a:t>
             </a:fld>
             <a:endParaRPr lang="ko-KR" altLang="en-US"/>
           </a:p>
@@ -1153,7 +1153,7 @@
           <a:p>
             <a:fld id="{A3B6C0BC-2D36-4CAB-9236-43779D68D787}" type="datetimeFigureOut">
               <a:rPr lang="ko-KR" altLang="en-US" smtClean="0"/>
-              <a:t>2025-11-17</a:t>
+              <a:t>2025-12-01</a:t>
             </a:fld>
             <a:endParaRPr lang="ko-KR" altLang="en-US"/>
           </a:p>
@@ -1418,7 +1418,7 @@
           <a:p>
             <a:fld id="{A3B6C0BC-2D36-4CAB-9236-43779D68D787}" type="datetimeFigureOut">
               <a:rPr lang="ko-KR" altLang="en-US" smtClean="0"/>
-              <a:t>2025-11-17</a:t>
+              <a:t>2025-12-01</a:t>
             </a:fld>
             <a:endParaRPr lang="ko-KR" altLang="en-US"/>
           </a:p>
@@ -1830,7 +1830,7 @@
           <a:p>
             <a:fld id="{A3B6C0BC-2D36-4CAB-9236-43779D68D787}" type="datetimeFigureOut">
               <a:rPr lang="ko-KR" altLang="en-US" smtClean="0"/>
-              <a:t>2025-11-17</a:t>
+              <a:t>2025-12-01</a:t>
             </a:fld>
             <a:endParaRPr lang="ko-KR" altLang="en-US"/>
           </a:p>
@@ -1971,7 +1971,7 @@
           <a:p>
             <a:fld id="{A3B6C0BC-2D36-4CAB-9236-43779D68D787}" type="datetimeFigureOut">
               <a:rPr lang="ko-KR" altLang="en-US" smtClean="0"/>
-              <a:t>2025-11-17</a:t>
+              <a:t>2025-12-01</a:t>
             </a:fld>
             <a:endParaRPr lang="ko-KR" altLang="en-US"/>
           </a:p>
@@ -2084,7 +2084,7 @@
           <a:p>
             <a:fld id="{A3B6C0BC-2D36-4CAB-9236-43779D68D787}" type="datetimeFigureOut">
               <a:rPr lang="ko-KR" altLang="en-US" smtClean="0"/>
-              <a:t>2025-11-17</a:t>
+              <a:t>2025-12-01</a:t>
             </a:fld>
             <a:endParaRPr lang="ko-KR" altLang="en-US"/>
           </a:p>
@@ -2395,7 +2395,7 @@
           <a:p>
             <a:fld id="{A3B6C0BC-2D36-4CAB-9236-43779D68D787}" type="datetimeFigureOut">
               <a:rPr lang="ko-KR" altLang="en-US" smtClean="0"/>
-              <a:t>2025-11-17</a:t>
+              <a:t>2025-12-01</a:t>
             </a:fld>
             <a:endParaRPr lang="ko-KR" altLang="en-US"/>
           </a:p>
@@ -2683,7 +2683,7 @@
           <a:p>
             <a:fld id="{A3B6C0BC-2D36-4CAB-9236-43779D68D787}" type="datetimeFigureOut">
               <a:rPr lang="ko-KR" altLang="en-US" smtClean="0"/>
-              <a:t>2025-11-17</a:t>
+              <a:t>2025-12-01</a:t>
             </a:fld>
             <a:endParaRPr lang="ko-KR" altLang="en-US"/>
           </a:p>
@@ -2924,7 +2924,7 @@
           <a:p>
             <a:fld id="{A3B6C0BC-2D36-4CAB-9236-43779D68D787}" type="datetimeFigureOut">
               <a:rPr lang="ko-KR" altLang="en-US" smtClean="0"/>
-              <a:t>2025-11-17</a:t>
+              <a:t>2025-12-01</a:t>
             </a:fld>
             <a:endParaRPr lang="ko-KR" altLang="en-US"/>
           </a:p>
@@ -3356,7 +3356,7 @@
           <p:nvPr>
             <p:extLst>
               <p:ext uri="{D42A27DB-BD31-4B8C-83A1-F6EECF244321}">
-                <p14:modId xmlns:p14="http://schemas.microsoft.com/office/powerpoint/2010/main" val="3112601543"/>
+                <p14:modId xmlns:p14="http://schemas.microsoft.com/office/powerpoint/2010/main" val="1097727465"/>
               </p:ext>
             </p:extLst>
           </p:nvPr>
@@ -4054,14 +4054,7 @@
                     <a:lstStyle/>
                     <a:p>
                       <a:pPr algn="ctr" latinLnBrk="1"/>
-                      <a:r>
-                        <a:rPr lang="en-US" altLang="ko-KR" dirty="0"/>
-                        <a:t>0</a:t>
-                      </a:r>
-                      <a:r>
-                        <a:rPr lang="ko-KR" altLang="en-US" dirty="0"/>
-                        <a:t>이상</a:t>
-                      </a:r>
+                      <a:endParaRPr lang="ko-KR" altLang="en-US" dirty="0"/>
                     </a:p>
                   </a:txBody>
                   <a:tcPr anchor="ctr"/>
@@ -4156,7 +4149,14 @@
                     <a:lstStyle/>
                     <a:p>
                       <a:pPr algn="ctr" latinLnBrk="1"/>
-                      <a:endParaRPr lang="ko-KR" altLang="en-US" dirty="0"/>
+                      <a:r>
+                        <a:rPr lang="en-US" altLang="ko-KR" dirty="0"/>
+                        <a:t>0 </a:t>
+                      </a:r>
+                      <a:r>
+                        <a:rPr lang="ko-KR" altLang="en-US" dirty="0"/>
+                        <a:t>이상</a:t>
+                      </a:r>
                     </a:p>
                   </a:txBody>
                   <a:tcPr anchor="ctr"/>
@@ -4176,7 +4176,7 @@
                       <a:pPr algn="ctr" latinLnBrk="1"/>
                       <a:r>
                         <a:rPr lang="ko-KR" altLang="en-US" dirty="0"/>
-                        <a:t>직업</a:t>
+                        <a:t>이메일</a:t>
                       </a:r>
                     </a:p>
                   </a:txBody>
@@ -4190,7 +4190,7 @@
                       <a:pPr algn="ctr" latinLnBrk="1"/>
                       <a:r>
                         <a:rPr lang="en-US" altLang="ko-KR" dirty="0"/>
-                        <a:t>Varchar(20)</a:t>
+                        <a:t>Varchar(50)</a:t>
                       </a:r>
                       <a:endParaRPr lang="ko-KR" altLang="en-US" dirty="0"/>
                     </a:p>
@@ -4251,18 +4251,7 @@
                     <a:lstStyle/>
                     <a:p>
                       <a:pPr algn="ctr" latinLnBrk="1"/>
-                      <a:r>
-                        <a:rPr lang="en-US" altLang="ko-KR" dirty="0" err="1"/>
-                        <a:t>Sirver</a:t>
-                      </a:r>
-                      <a:r>
-                        <a:rPr lang="en-US" altLang="ko-KR" dirty="0"/>
-                        <a:t>, Gold, Vip </a:t>
-                      </a:r>
-                      <a:r>
-                        <a:rPr lang="ko-KR" altLang="en-US" dirty="0"/>
-                        <a:t>만 허용</a:t>
-                      </a:r>
+                      <a:endParaRPr lang="ko-KR" altLang="en-US" dirty="0"/>
                     </a:p>
                   </a:txBody>
                   <a:tcPr anchor="ctr"/>
@@ -4512,14 +4501,14 @@
           <p:nvPr>
             <p:extLst>
               <p:ext uri="{D42A27DB-BD31-4B8C-83A1-F6EECF244321}">
-                <p14:modId xmlns:p14="http://schemas.microsoft.com/office/powerpoint/2010/main" val="3282657375"/>
+                <p14:modId xmlns:p14="http://schemas.microsoft.com/office/powerpoint/2010/main" val="3899975231"/>
               </p:ext>
             </p:extLst>
           </p:nvPr>
         </p:nvGraphicFramePr>
         <p:xfrm>
           <a:off x="529389" y="513347"/>
-          <a:ext cx="11149264" cy="5482588"/>
+          <a:ext cx="11149264" cy="5325980"/>
         </p:xfrm>
         <a:graphic>
           <a:graphicData uri="http://schemas.openxmlformats.org/drawingml/2006/table">
@@ -4578,7 +4567,7 @@
                   </a:extLst>
                 </a:gridCol>
               </a:tblGrid>
-              <a:tr h="448788">
+              <a:tr h="627294">
                 <a:tc gridSpan="7">
                   <a:txBody>
                     <a:bodyPr/>
@@ -4669,7 +4658,7 @@
                   </a:ext>
                 </a:extLst>
               </a:tr>
-              <a:tr h="448788">
+              <a:tr h="627294">
                 <a:tc gridSpan="3">
                   <a:txBody>
                     <a:bodyPr/>
@@ -4775,7 +4764,7 @@
                   </a:ext>
                 </a:extLst>
               </a:tr>
-              <a:tr h="466003">
+              <a:tr h="651356">
                 <a:tc>
                   <a:txBody>
                     <a:bodyPr/>
@@ -4967,7 +4956,7 @@
                   </a:ext>
                 </a:extLst>
               </a:tr>
-              <a:tr h="774619">
+              <a:tr h="1082724">
                 <a:tc>
                   <a:txBody>
                     <a:bodyPr/>
@@ -5066,7 +5055,7 @@
                   </a:ext>
                 </a:extLst>
               </a:tr>
-              <a:tr h="774619">
+              <a:tr h="1082724">
                 <a:tc>
                   <a:txBody>
                     <a:bodyPr/>
@@ -5161,7 +5150,7 @@
                   </a:ext>
                 </a:extLst>
               </a:tr>
-              <a:tr h="448788">
+              <a:tr h="627294">
                 <a:tc>
                   <a:txBody>
                     <a:bodyPr/>
@@ -5267,7 +5256,7 @@
                   </a:ext>
                 </a:extLst>
               </a:tr>
-              <a:tr h="448788">
+              <a:tr h="627294">
                 <a:tc>
                   <a:txBody>
                     <a:bodyPr/>
@@ -5370,299 +5359,6 @@
                 <a:extLst>
                   <a:ext uri="{0D108BD9-81ED-4DB2-BD59-A6C34878D82A}">
                     <a16:rowId xmlns:a16="http://schemas.microsoft.com/office/drawing/2014/main" val="716185451"/>
-                  </a:ext>
-                </a:extLst>
-              </a:tr>
-              <a:tr h="774619">
-                <a:tc>
-                  <a:txBody>
-                    <a:bodyPr/>
-                    <a:lstStyle/>
-                    <a:p>
-                      <a:pPr algn="ctr" latinLnBrk="1"/>
-                      <a:r>
-                        <a:rPr lang="ko-KR" altLang="en-US" dirty="0"/>
-                        <a:t>재조업체명</a:t>
-                      </a:r>
-                    </a:p>
-                  </a:txBody>
-                  <a:tcPr anchor="ctr"/>
-                </a:tc>
-                <a:tc>
-                  <a:txBody>
-                    <a:bodyPr/>
-                    <a:lstStyle/>
-                    <a:p>
-                      <a:pPr algn="ctr" latinLnBrk="1"/>
-                      <a:r>
-                        <a:rPr lang="en-US" altLang="ko-KR" dirty="0"/>
-                        <a:t>Varchar(30)</a:t>
-                      </a:r>
-                      <a:endParaRPr lang="ko-KR" altLang="en-US" dirty="0"/>
-                    </a:p>
-                  </a:txBody>
-                  <a:tcPr anchor="ctr"/>
-                </a:tc>
-                <a:tc>
-                  <a:txBody>
-                    <a:bodyPr/>
-                    <a:lstStyle/>
-                    <a:p>
-                      <a:pPr algn="ctr" latinLnBrk="1"/>
-                      <a:r>
-                        <a:rPr lang="en-US" altLang="ko-KR" dirty="0"/>
-                        <a:t>N</a:t>
-                      </a:r>
-                      <a:endParaRPr lang="ko-KR" altLang="en-US" dirty="0"/>
-                    </a:p>
-                  </a:txBody>
-                  <a:tcPr anchor="ctr"/>
-                </a:tc>
-                <a:tc>
-                  <a:txBody>
-                    <a:bodyPr/>
-                    <a:lstStyle/>
-                    <a:p>
-                      <a:pPr algn="ctr" latinLnBrk="1"/>
-                      <a:endParaRPr lang="ko-KR" altLang="en-US" dirty="0"/>
-                    </a:p>
-                  </a:txBody>
-                  <a:tcPr anchor="ctr"/>
-                </a:tc>
-                <a:tc>
-                  <a:txBody>
-                    <a:bodyPr/>
-                    <a:lstStyle/>
-                    <a:p>
-                      <a:pPr algn="ctr" latinLnBrk="1"/>
-                      <a:endParaRPr lang="ko-KR" altLang="en-US" dirty="0"/>
-                    </a:p>
-                  </a:txBody>
-                  <a:tcPr anchor="ctr"/>
-                </a:tc>
-                <a:tc>
-                  <a:txBody>
-                    <a:bodyPr/>
-                    <a:lstStyle/>
-                    <a:p>
-                      <a:pPr algn="ctr" latinLnBrk="1"/>
-                      <a:r>
-                        <a:rPr lang="en-US" altLang="ko-KR" dirty="0"/>
-                        <a:t>FC</a:t>
-                      </a:r>
-                      <a:endParaRPr lang="ko-KR" altLang="en-US" dirty="0"/>
-                    </a:p>
-                  </a:txBody>
-                  <a:tcPr anchor="ctr"/>
-                </a:tc>
-                <a:tc>
-                  <a:txBody>
-                    <a:bodyPr/>
-                    <a:lstStyle/>
-                    <a:p>
-                      <a:pPr algn="ctr" latinLnBrk="1"/>
-                      <a:endParaRPr lang="ko-KR" altLang="en-US" dirty="0"/>
-                    </a:p>
-                  </a:txBody>
-                  <a:tcPr anchor="ctr"/>
-                </a:tc>
-                <a:extLst>
-                  <a:ext uri="{0D108BD9-81ED-4DB2-BD59-A6C34878D82A}">
-                    <a16:rowId xmlns:a16="http://schemas.microsoft.com/office/drawing/2014/main" val="3592021016"/>
-                  </a:ext>
-                </a:extLst>
-              </a:tr>
-              <a:tr h="448788">
-                <a:tc>
-                  <a:txBody>
-                    <a:bodyPr/>
-                    <a:lstStyle/>
-                    <a:p>
-                      <a:pPr algn="ctr" latinLnBrk="1"/>
-                      <a:r>
-                        <a:rPr lang="ko-KR" altLang="en-US" dirty="0"/>
-                        <a:t>공급일자</a:t>
-                      </a:r>
-                    </a:p>
-                  </a:txBody>
-                  <a:tcPr anchor="ctr"/>
-                </a:tc>
-                <a:tc>
-                  <a:txBody>
-                    <a:bodyPr/>
-                    <a:lstStyle/>
-                    <a:p>
-                      <a:pPr algn="ctr" latinLnBrk="1"/>
-                      <a:r>
-                        <a:rPr lang="en-US" altLang="ko-KR" dirty="0"/>
-                        <a:t>Date</a:t>
-                      </a:r>
-                      <a:endParaRPr lang="ko-KR" altLang="en-US" dirty="0"/>
-                    </a:p>
-                  </a:txBody>
-                  <a:tcPr anchor="ctr"/>
-                </a:tc>
-                <a:tc>
-                  <a:txBody>
-                    <a:bodyPr/>
-                    <a:lstStyle/>
-                    <a:p>
-                      <a:pPr algn="ctr" latinLnBrk="1"/>
-                      <a:r>
-                        <a:rPr lang="en-US" altLang="ko-KR" dirty="0"/>
-                        <a:t>N</a:t>
-                      </a:r>
-                      <a:endParaRPr lang="ko-KR" altLang="en-US" dirty="0"/>
-                    </a:p>
-                  </a:txBody>
-                  <a:tcPr anchor="ctr"/>
-                </a:tc>
-                <a:tc>
-                  <a:txBody>
-                    <a:bodyPr/>
-                    <a:lstStyle/>
-                    <a:p>
-                      <a:pPr algn="ctr" latinLnBrk="1"/>
-                      <a:endParaRPr lang="ko-KR" altLang="en-US" dirty="0"/>
-                    </a:p>
-                  </a:txBody>
-                  <a:tcPr anchor="ctr"/>
-                </a:tc>
-                <a:tc>
-                  <a:txBody>
-                    <a:bodyPr/>
-                    <a:lstStyle/>
-                    <a:p>
-                      <a:pPr algn="ctr" latinLnBrk="1"/>
-                      <a:endParaRPr lang="ko-KR" altLang="en-US"/>
-                    </a:p>
-                  </a:txBody>
-                  <a:tcPr anchor="ctr"/>
-                </a:tc>
-                <a:tc>
-                  <a:txBody>
-                    <a:bodyPr/>
-                    <a:lstStyle/>
-                    <a:p>
-                      <a:pPr algn="ctr" latinLnBrk="1"/>
-                      <a:endParaRPr lang="ko-KR" altLang="en-US" dirty="0"/>
-                    </a:p>
-                  </a:txBody>
-                  <a:tcPr anchor="ctr"/>
-                </a:tc>
-                <a:tc>
-                  <a:txBody>
-                    <a:bodyPr/>
-                    <a:lstStyle/>
-                    <a:p>
-                      <a:pPr algn="ctr" latinLnBrk="1"/>
-                      <a:endParaRPr lang="ko-KR" altLang="en-US" dirty="0"/>
-                    </a:p>
-                  </a:txBody>
-                  <a:tcPr anchor="ctr"/>
-                </a:tc>
-                <a:extLst>
-                  <a:ext uri="{0D108BD9-81ED-4DB2-BD59-A6C34878D82A}">
-                    <a16:rowId xmlns:a16="http://schemas.microsoft.com/office/drawing/2014/main" val="1274623780"/>
-                  </a:ext>
-                </a:extLst>
-              </a:tr>
-              <a:tr h="448788">
-                <a:tc>
-                  <a:txBody>
-                    <a:bodyPr/>
-                    <a:lstStyle/>
-                    <a:p>
-                      <a:pPr algn="ctr" latinLnBrk="1"/>
-                      <a:r>
-                        <a:rPr lang="ko-KR" altLang="en-US" dirty="0"/>
-                        <a:t>공급량</a:t>
-                      </a:r>
-                    </a:p>
-                  </a:txBody>
-                  <a:tcPr anchor="ctr"/>
-                </a:tc>
-                <a:tc>
-                  <a:txBody>
-                    <a:bodyPr/>
-                    <a:lstStyle/>
-                    <a:p>
-                      <a:pPr algn="ctr" latinLnBrk="1"/>
-                      <a:r>
-                        <a:rPr lang="en-US" altLang="ko-KR" dirty="0"/>
-                        <a:t>Number</a:t>
-                      </a:r>
-                      <a:endParaRPr lang="ko-KR" altLang="en-US" dirty="0"/>
-                    </a:p>
-                  </a:txBody>
-                  <a:tcPr anchor="ctr"/>
-                </a:tc>
-                <a:tc>
-                  <a:txBody>
-                    <a:bodyPr/>
-                    <a:lstStyle/>
-                    <a:p>
-                      <a:pPr algn="ctr" latinLnBrk="1"/>
-                      <a:r>
-                        <a:rPr lang="en-US" altLang="ko-KR" dirty="0"/>
-                        <a:t>N</a:t>
-                      </a:r>
-                      <a:endParaRPr lang="ko-KR" altLang="en-US" dirty="0"/>
-                    </a:p>
-                  </a:txBody>
-                  <a:tcPr anchor="ctr"/>
-                </a:tc>
-                <a:tc>
-                  <a:txBody>
-                    <a:bodyPr/>
-                    <a:lstStyle/>
-                    <a:p>
-                      <a:pPr algn="ctr" latinLnBrk="1"/>
-                      <a:r>
-                        <a:rPr lang="en-US" altLang="ko-KR" dirty="0"/>
-                        <a:t>0</a:t>
-                      </a:r>
-                      <a:endParaRPr lang="ko-KR" altLang="en-US" dirty="0"/>
-                    </a:p>
-                  </a:txBody>
-                  <a:tcPr anchor="ctr"/>
-                </a:tc>
-                <a:tc>
-                  <a:txBody>
-                    <a:bodyPr/>
-                    <a:lstStyle/>
-                    <a:p>
-                      <a:pPr algn="ctr" latinLnBrk="1"/>
-                      <a:endParaRPr lang="ko-KR" altLang="en-US"/>
-                    </a:p>
-                  </a:txBody>
-                  <a:tcPr anchor="ctr"/>
-                </a:tc>
-                <a:tc>
-                  <a:txBody>
-                    <a:bodyPr/>
-                    <a:lstStyle/>
-                    <a:p>
-                      <a:pPr algn="ctr" latinLnBrk="1"/>
-                      <a:endParaRPr lang="ko-KR" altLang="en-US"/>
-                    </a:p>
-                  </a:txBody>
-                  <a:tcPr anchor="ctr"/>
-                </a:tc>
-                <a:tc>
-                  <a:txBody>
-                    <a:bodyPr/>
-                    <a:lstStyle/>
-                    <a:p>
-                      <a:pPr algn="ctr" latinLnBrk="1"/>
-                      <a:endParaRPr lang="ko-KR" altLang="en-US" dirty="0"/>
-                    </a:p>
-                  </a:txBody>
-                  <a:tcPr anchor="ctr"/>
-                </a:tc>
-                <a:extLst>
-                  <a:ext uri="{0D108BD9-81ED-4DB2-BD59-A6C34878D82A}">
-                    <a16:rowId xmlns:a16="http://schemas.microsoft.com/office/drawing/2014/main" val="2206722107"/>
                   </a:ext>
                 </a:extLst>
               </a:tr>
@@ -5721,7 +5417,7 @@
           <p:nvPr>
             <p:extLst>
               <p:ext uri="{D42A27DB-BD31-4B8C-83A1-F6EECF244321}">
-                <p14:modId xmlns:p14="http://schemas.microsoft.com/office/powerpoint/2010/main" val="233149808"/>
+                <p14:modId xmlns:p14="http://schemas.microsoft.com/office/powerpoint/2010/main" val="1189509236"/>
               </p:ext>
             </p:extLst>
           </p:nvPr>
@@ -5935,7 +5631,7 @@
                             <a:schemeClr val="bg1"/>
                           </a:solidFill>
                         </a:rPr>
-                        <a:t>제조업체</a:t>
+                        <a:t>저장</a:t>
                       </a:r>
                     </a:p>
                   </a:txBody>
@@ -6185,7 +5881,7 @@
                       <a:pPr algn="ctr" latinLnBrk="1"/>
                       <a:r>
                         <a:rPr lang="ko-KR" altLang="en-US" dirty="0"/>
-                        <a:t>제조업체명</a:t>
+                        <a:t>장바구니번호</a:t>
                       </a:r>
                     </a:p>
                   </a:txBody>
@@ -6199,7 +5895,7 @@
                       <a:pPr algn="ctr" latinLnBrk="1"/>
                       <a:r>
                         <a:rPr lang="en-US" altLang="ko-KR" dirty="0"/>
-                        <a:t>Varchar(30)</a:t>
+                        <a:t>Varchar(20)</a:t>
                       </a:r>
                       <a:endParaRPr lang="ko-KR" altLang="en-US" dirty="0"/>
                     </a:p>
@@ -6284,7 +5980,7 @@
                       <a:pPr algn="ctr" latinLnBrk="1"/>
                       <a:r>
                         <a:rPr lang="ko-KR" altLang="en-US" dirty="0"/>
-                        <a:t>전화번호</a:t>
+                        <a:t>상품번호</a:t>
                       </a:r>
                     </a:p>
                   </a:txBody>
@@ -6348,7 +6044,11 @@
                     <a:lstStyle/>
                     <a:p>
                       <a:pPr algn="ctr" latinLnBrk="1"/>
-                      <a:endParaRPr lang="ko-KR" altLang="en-US"/>
+                      <a:r>
+                        <a:rPr lang="en-US" altLang="ko-KR" dirty="0"/>
+                        <a:t>FC</a:t>
+                      </a:r>
+                      <a:endParaRPr lang="ko-KR" altLang="en-US" dirty="0"/>
                     </a:p>
                   </a:txBody>
                   <a:tcPr anchor="ctr"/>
@@ -6379,7 +6079,7 @@
                       <a:pPr algn="ctr" latinLnBrk="1"/>
                       <a:r>
                         <a:rPr lang="ko-KR" altLang="en-US" dirty="0"/>
-                        <a:t>위치</a:t>
+                        <a:t>상품명</a:t>
                       </a:r>
                     </a:p>
                   </a:txBody>
@@ -6393,7 +6093,7 @@
                       <a:pPr algn="ctr" latinLnBrk="1"/>
                       <a:r>
                         <a:rPr lang="en-US" altLang="ko-KR" dirty="0"/>
-                        <a:t>Varchar(20)</a:t>
+                        <a:t>Varchar(50)</a:t>
                       </a:r>
                       <a:endParaRPr lang="ko-KR" altLang="en-US" dirty="0"/>
                     </a:p>
@@ -6474,7 +6174,7 @@
                       <a:pPr algn="ctr" latinLnBrk="1"/>
                       <a:r>
                         <a:rPr lang="ko-KR" altLang="en-US" dirty="0"/>
-                        <a:t>공급일자</a:t>
+                        <a:t>재고량</a:t>
                       </a:r>
                     </a:p>
                   </a:txBody>
@@ -6488,7 +6188,7 @@
                       <a:pPr algn="ctr" latinLnBrk="1"/>
                       <a:r>
                         <a:rPr lang="en-US" altLang="ko-KR" dirty="0"/>
-                        <a:t>Date</a:t>
+                        <a:t>Number</a:t>
                       </a:r>
                       <a:endParaRPr lang="ko-KR" altLang="en-US" dirty="0"/>
                     </a:p>
@@ -6569,7 +6269,7 @@
                       <a:pPr algn="ctr" latinLnBrk="1"/>
                       <a:r>
                         <a:rPr lang="ko-KR" altLang="en-US" dirty="0"/>
-                        <a:t>공급량</a:t>
+                        <a:t>단가</a:t>
                       </a:r>
                     </a:p>
                   </a:txBody>
@@ -6684,7 +6384,7 @@
         <p:cNvPr id="1" name="">
           <a:extLst>
             <a:ext uri="{FF2B5EF4-FFF2-40B4-BE49-F238E27FC236}">
-              <a16:creationId xmlns:a16="http://schemas.microsoft.com/office/drawing/2014/main" id="{DB1C6CDA-73DE-87AB-A06B-A0EEB49F29CD}"/>
+              <a16:creationId xmlns:a16="http://schemas.microsoft.com/office/drawing/2014/main" id="{72768BB6-982E-3140-938B-97B733A1AA5D}"/>
             </a:ext>
           </a:extLst>
         </p:cNvPr>
@@ -6704,7 +6404,7 @@
           <p:cNvPr id="6" name="표 5">
             <a:extLst>
               <a:ext uri="{FF2B5EF4-FFF2-40B4-BE49-F238E27FC236}">
-                <a16:creationId xmlns:a16="http://schemas.microsoft.com/office/drawing/2014/main" id="{5380C78E-DB92-3922-5C77-C369ECA39321}"/>
+                <a16:creationId xmlns:a16="http://schemas.microsoft.com/office/drawing/2014/main" id="{2C7DE92F-323D-12AD-B45B-23DC9DCFEA7C}"/>
               </a:ext>
             </a:extLst>
           </p:cNvPr>
@@ -6714,7 +6414,7 @@
           <p:nvPr>
             <p:extLst>
               <p:ext uri="{D42A27DB-BD31-4B8C-83A1-F6EECF244321}">
-                <p14:modId xmlns:p14="http://schemas.microsoft.com/office/powerpoint/2010/main" val="2692878172"/>
+                <p14:modId xmlns:p14="http://schemas.microsoft.com/office/powerpoint/2010/main" val="424272649"/>
               </p:ext>
             </p:extLst>
           </p:nvPr>
@@ -6928,7 +6628,7 @@
                             <a:schemeClr val="bg1"/>
                           </a:solidFill>
                         </a:rPr>
-                        <a:t>게시물</a:t>
+                        <a:t>주문</a:t>
                       </a:r>
                     </a:p>
                   </a:txBody>
@@ -7177,10 +6877,9 @@
                     <a:p>
                       <a:pPr algn="ctr" latinLnBrk="1"/>
                       <a:r>
-                        <a:rPr lang="ko-KR" altLang="en-US" dirty="0" err="1"/>
-                        <a:t>글번호</a:t>
-                      </a:r>
-                      <a:endParaRPr lang="ko-KR" altLang="en-US" dirty="0"/>
+                        <a:rPr lang="ko-KR" altLang="en-US" dirty="0"/>
+                        <a:t>주문번호</a:t>
+                      </a:r>
                     </a:p>
                   </a:txBody>
                   <a:tcPr anchor="ctr"/>
@@ -7277,10 +6976,9 @@
                     <a:p>
                       <a:pPr algn="ctr" latinLnBrk="1"/>
                       <a:r>
-                        <a:rPr lang="ko-KR" altLang="en-US" dirty="0" err="1"/>
-                        <a:t>글제목</a:t>
-                      </a:r>
-                      <a:endParaRPr lang="ko-KR" altLang="en-US" dirty="0"/>
+                        <a:rPr lang="ko-KR" altLang="en-US" dirty="0"/>
+                        <a:t>배송지</a:t>
+                      </a:r>
                     </a:p>
                   </a:txBody>
                   <a:tcPr anchor="ctr"/>
@@ -7373,10 +7071,9 @@
                     <a:p>
                       <a:pPr algn="ctr" latinLnBrk="1"/>
                       <a:r>
-                        <a:rPr lang="ko-KR" altLang="en-US" dirty="0" err="1"/>
-                        <a:t>글내용</a:t>
-                      </a:r>
-                      <a:endParaRPr lang="ko-KR" altLang="en-US" dirty="0"/>
+                        <a:rPr lang="ko-KR" altLang="en-US" dirty="0"/>
+                        <a:t>주문일자</a:t>
+                      </a:r>
                     </a:p>
                   </a:txBody>
                   <a:tcPr anchor="ctr"/>
@@ -7389,7 +7086,7 @@
                       <a:pPr algn="ctr" latinLnBrk="1"/>
                       <a:r>
                         <a:rPr lang="en-US" altLang="ko-KR" dirty="0"/>
-                        <a:t>Varchar(400)</a:t>
+                        <a:t>Date</a:t>
                       </a:r>
                       <a:endParaRPr lang="ko-KR" altLang="en-US" dirty="0"/>
                     </a:p>
@@ -7470,7 +7167,7 @@
                       <a:pPr algn="ctr" latinLnBrk="1"/>
                       <a:r>
                         <a:rPr lang="ko-KR" altLang="en-US" dirty="0"/>
-                        <a:t>작성일자</a:t>
+                        <a:t>주문수량</a:t>
                       </a:r>
                     </a:p>
                   </a:txBody>
@@ -7484,7 +7181,7 @@
                       <a:pPr algn="ctr" latinLnBrk="1"/>
                       <a:r>
                         <a:rPr lang="en-US" altLang="ko-KR" dirty="0"/>
-                        <a:t>Date</a:t>
+                        <a:t>Number</a:t>
                       </a:r>
                       <a:endParaRPr lang="ko-KR" altLang="en-US" dirty="0"/>
                     </a:p>
@@ -7545,7 +7242,14 @@
                     <a:lstStyle/>
                     <a:p>
                       <a:pPr algn="ctr" latinLnBrk="1"/>
-                      <a:endParaRPr lang="ko-KR" altLang="en-US" dirty="0"/>
+                      <a:r>
+                        <a:rPr lang="en-US" altLang="ko-KR" dirty="0"/>
+                        <a:t>0 </a:t>
+                      </a:r>
+                      <a:r>
+                        <a:rPr lang="ko-KR" altLang="en-US" dirty="0"/>
+                        <a:t>이상</a:t>
+                      </a:r>
                     </a:p>
                   </a:txBody>
                   <a:tcPr anchor="ctr"/>
@@ -7564,7 +7268,7 @@
                     <a:p>
                       <a:pPr algn="ctr" latinLnBrk="1"/>
                       <a:r>
-                        <a:rPr lang="ko-KR" altLang="en-US" dirty="0" err="1"/>
+                        <a:rPr lang="ko-KR" altLang="en-US"/>
                         <a:t>회원아이디</a:t>
                       </a:r>
                       <a:endParaRPr lang="ko-KR" altLang="en-US" dirty="0"/>
@@ -7762,7 +7466,7 @@
     </p:spTree>
     <p:extLst>
       <p:ext uri="{BB962C8B-B14F-4D97-AF65-F5344CB8AC3E}">
-        <p14:creationId xmlns:p14="http://schemas.microsoft.com/office/powerpoint/2010/main" val="4111811627"/>
+        <p14:creationId xmlns:p14="http://schemas.microsoft.com/office/powerpoint/2010/main" val="2835678201"/>
       </p:ext>
     </p:extLst>
   </p:cSld>
@@ -7780,7 +7484,7 @@
         <p:cNvPr id="1" name="">
           <a:extLst>
             <a:ext uri="{FF2B5EF4-FFF2-40B4-BE49-F238E27FC236}">
-              <a16:creationId xmlns:a16="http://schemas.microsoft.com/office/drawing/2014/main" id="{72768BB6-982E-3140-938B-97B733A1AA5D}"/>
+              <a16:creationId xmlns:a16="http://schemas.microsoft.com/office/drawing/2014/main" id="{DB1C6CDA-73DE-87AB-A06B-A0EEB49F29CD}"/>
             </a:ext>
           </a:extLst>
         </p:cNvPr>
@@ -7800,7 +7504,7 @@
           <p:cNvPr id="6" name="표 5">
             <a:extLst>
               <a:ext uri="{FF2B5EF4-FFF2-40B4-BE49-F238E27FC236}">
-                <a16:creationId xmlns:a16="http://schemas.microsoft.com/office/drawing/2014/main" id="{2C7DE92F-323D-12AD-B45B-23DC9DCFEA7C}"/>
+                <a16:creationId xmlns:a16="http://schemas.microsoft.com/office/drawing/2014/main" id="{5380C78E-DB92-3922-5C77-C369ECA39321}"/>
               </a:ext>
             </a:extLst>
           </p:cNvPr>
@@ -7810,14 +7514,14 @@
           <p:nvPr>
             <p:extLst>
               <p:ext uri="{D42A27DB-BD31-4B8C-83A1-F6EECF244321}">
-                <p14:modId xmlns:p14="http://schemas.microsoft.com/office/powerpoint/2010/main" val="489338014"/>
+                <p14:modId xmlns:p14="http://schemas.microsoft.com/office/powerpoint/2010/main" val="2810780478"/>
               </p:ext>
             </p:extLst>
           </p:nvPr>
         </p:nvGraphicFramePr>
         <p:xfrm>
           <a:off x="529389" y="513347"/>
-          <a:ext cx="11149264" cy="5033800"/>
+          <a:ext cx="11149264" cy="5197640"/>
         </p:xfrm>
         <a:graphic>
           <a:graphicData uri="http://schemas.openxmlformats.org/drawingml/2006/table">
@@ -7876,7 +7580,7 @@
                   </a:extLst>
                 </a:gridCol>
               </a:tblGrid>
-              <a:tr h="448788">
+              <a:tr h="693906">
                 <a:tc gridSpan="7">
                   <a:txBody>
                     <a:bodyPr/>
@@ -7967,7 +7671,7 @@
                   </a:ext>
                 </a:extLst>
               </a:tr>
-              <a:tr h="448788">
+              <a:tr h="693906">
                 <a:tc gridSpan="3">
                   <a:txBody>
                     <a:bodyPr/>
@@ -8019,13 +7723,18 @@
                     <a:p>
                       <a:pPr algn="ctr" latinLnBrk="1"/>
                       <a:r>
-                        <a:rPr lang="ko-KR" altLang="en-US" b="1" dirty="0">
+                        <a:rPr lang="ko-KR" altLang="en-US" b="1" dirty="0" err="1">
                           <a:solidFill>
                             <a:schemeClr val="bg1"/>
                           </a:solidFill>
                         </a:rPr>
-                        <a:t>주문</a:t>
-                      </a:r>
+                        <a:t>룩북</a:t>
+                      </a:r>
+                      <a:endParaRPr lang="ko-KR" altLang="en-US" b="1" dirty="0">
+                        <a:solidFill>
+                          <a:schemeClr val="bg1"/>
+                        </a:solidFill>
+                      </a:endParaRPr>
                     </a:p>
                   </a:txBody>
                   <a:tcPr anchor="ctr">
@@ -8073,7 +7782,7 @@
                   </a:ext>
                 </a:extLst>
               </a:tr>
-              <a:tr h="466003">
+              <a:tr h="720524">
                 <a:tc>
                   <a:txBody>
                     <a:bodyPr/>
@@ -8265,17 +7974,18 @@
                   </a:ext>
                 </a:extLst>
               </a:tr>
-              <a:tr h="774619">
-                <a:tc>
-                  <a:txBody>
-                    <a:bodyPr/>
-                    <a:lstStyle/>
-                    <a:p>
-                      <a:pPr algn="ctr" latinLnBrk="1"/>
-                      <a:r>
-                        <a:rPr lang="ko-KR" altLang="en-US" dirty="0"/>
-                        <a:t>주문번호</a:t>
-                      </a:r>
+              <a:tr h="1197699">
+                <a:tc>
+                  <a:txBody>
+                    <a:bodyPr/>
+                    <a:lstStyle/>
+                    <a:p>
+                      <a:pPr algn="ctr" latinLnBrk="1"/>
+                      <a:r>
+                        <a:rPr lang="ko-KR" altLang="en-US" dirty="0" err="1"/>
+                        <a:t>룩북번호</a:t>
+                      </a:r>
+                      <a:endParaRPr lang="ko-KR" altLang="en-US" dirty="0"/>
                     </a:p>
                   </a:txBody>
                   <a:tcPr anchor="ctr"/>
@@ -8364,17 +8074,18 @@
                   </a:ext>
                 </a:extLst>
               </a:tr>
-              <a:tr h="774619">
-                <a:tc>
-                  <a:txBody>
-                    <a:bodyPr/>
-                    <a:lstStyle/>
-                    <a:p>
-                      <a:pPr algn="ctr" latinLnBrk="1"/>
-                      <a:r>
-                        <a:rPr lang="ko-KR" altLang="en-US" dirty="0"/>
-                        <a:t>배송지</a:t>
-                      </a:r>
+              <a:tr h="1197699">
+                <a:tc>
+                  <a:txBody>
+                    <a:bodyPr/>
+                    <a:lstStyle/>
+                    <a:p>
+                      <a:pPr algn="ctr" latinLnBrk="1"/>
+                      <a:r>
+                        <a:rPr lang="ko-KR" altLang="en-US" dirty="0" err="1"/>
+                        <a:t>룩북이름</a:t>
+                      </a:r>
+                      <a:endParaRPr lang="ko-KR" altLang="en-US" dirty="0"/>
                     </a:p>
                   </a:txBody>
                   <a:tcPr anchor="ctr"/>
@@ -8387,7 +8098,7 @@
                       <a:pPr algn="ctr" latinLnBrk="1"/>
                       <a:r>
                         <a:rPr lang="en-US" altLang="ko-KR" dirty="0"/>
-                        <a:t>Varchar(50)</a:t>
+                        <a:t>Varchar(20)</a:t>
                       </a:r>
                       <a:endParaRPr lang="ko-KR" altLang="en-US" dirty="0"/>
                     </a:p>
@@ -8459,7 +8170,7 @@
                   </a:ext>
                 </a:extLst>
               </a:tr>
-              <a:tr h="448788">
+              <a:tr h="693906">
                 <a:tc>
                   <a:txBody>
                     <a:bodyPr/>
@@ -8468,7 +8179,7 @@
                       <a:pPr algn="ctr" latinLnBrk="1"/>
                       <a:r>
                         <a:rPr lang="ko-KR" altLang="en-US" dirty="0"/>
-                        <a:t>주문일자</a:t>
+                        <a:t>출시가격</a:t>
                       </a:r>
                     </a:p>
                   </a:txBody>
@@ -8482,7 +8193,7 @@
                       <a:pPr algn="ctr" latinLnBrk="1"/>
                       <a:r>
                         <a:rPr lang="en-US" altLang="ko-KR" dirty="0"/>
-                        <a:t>Date</a:t>
+                        <a:t>Number</a:t>
                       </a:r>
                       <a:endParaRPr lang="ko-KR" altLang="en-US" dirty="0"/>
                     </a:p>
@@ -8543,7 +8254,14 @@
                     <a:lstStyle/>
                     <a:p>
                       <a:pPr algn="ctr" latinLnBrk="1"/>
-                      <a:endParaRPr lang="ko-KR" altLang="en-US" dirty="0"/>
+                      <a:r>
+                        <a:rPr lang="en-US" altLang="ko-KR" dirty="0"/>
+                        <a:t>0 </a:t>
+                      </a:r>
+                      <a:r>
+                        <a:rPr lang="ko-KR" altLang="en-US" dirty="0"/>
+                        <a:t>이상</a:t>
+                      </a:r>
                     </a:p>
                   </a:txBody>
                   <a:tcPr anchor="ctr"/>
@@ -8551,300 +8269,6 @@
                 <a:extLst>
                   <a:ext uri="{0D108BD9-81ED-4DB2-BD59-A6C34878D82A}">
                     <a16:rowId xmlns:a16="http://schemas.microsoft.com/office/drawing/2014/main" val="4279304536"/>
-                  </a:ext>
-                </a:extLst>
-              </a:tr>
-              <a:tr h="448788">
-                <a:tc>
-                  <a:txBody>
-                    <a:bodyPr/>
-                    <a:lstStyle/>
-                    <a:p>
-                      <a:pPr algn="ctr" latinLnBrk="1"/>
-                      <a:r>
-                        <a:rPr lang="ko-KR" altLang="en-US" dirty="0"/>
-                        <a:t>주문수량</a:t>
-                      </a:r>
-                    </a:p>
-                  </a:txBody>
-                  <a:tcPr anchor="ctr"/>
-                </a:tc>
-                <a:tc>
-                  <a:txBody>
-                    <a:bodyPr/>
-                    <a:lstStyle/>
-                    <a:p>
-                      <a:pPr algn="ctr" latinLnBrk="1"/>
-                      <a:r>
-                        <a:rPr lang="en-US" altLang="ko-KR" dirty="0"/>
-                        <a:t>Number</a:t>
-                      </a:r>
-                      <a:endParaRPr lang="ko-KR" altLang="en-US" dirty="0"/>
-                    </a:p>
-                  </a:txBody>
-                  <a:tcPr anchor="ctr"/>
-                </a:tc>
-                <a:tc>
-                  <a:txBody>
-                    <a:bodyPr/>
-                    <a:lstStyle/>
-                    <a:p>
-                      <a:pPr algn="ctr" latinLnBrk="1"/>
-                      <a:r>
-                        <a:rPr lang="en-US" altLang="ko-KR" dirty="0"/>
-                        <a:t>N</a:t>
-                      </a:r>
-                      <a:endParaRPr lang="ko-KR" altLang="en-US" dirty="0"/>
-                    </a:p>
-                  </a:txBody>
-                  <a:tcPr anchor="ctr"/>
-                </a:tc>
-                <a:tc>
-                  <a:txBody>
-                    <a:bodyPr/>
-                    <a:lstStyle/>
-                    <a:p>
-                      <a:pPr algn="ctr" latinLnBrk="1"/>
-                      <a:endParaRPr lang="ko-KR" altLang="en-US" dirty="0"/>
-                    </a:p>
-                  </a:txBody>
-                  <a:tcPr anchor="ctr"/>
-                </a:tc>
-                <a:tc>
-                  <a:txBody>
-                    <a:bodyPr/>
-                    <a:lstStyle/>
-                    <a:p>
-                      <a:pPr algn="ctr" latinLnBrk="1"/>
-                      <a:endParaRPr lang="ko-KR" altLang="en-US" dirty="0"/>
-                    </a:p>
-                  </a:txBody>
-                  <a:tcPr anchor="ctr"/>
-                </a:tc>
-                <a:tc>
-                  <a:txBody>
-                    <a:bodyPr/>
-                    <a:lstStyle/>
-                    <a:p>
-                      <a:pPr algn="ctr" latinLnBrk="1"/>
-                      <a:endParaRPr lang="ko-KR" altLang="en-US" dirty="0"/>
-                    </a:p>
-                  </a:txBody>
-                  <a:tcPr anchor="ctr"/>
-                </a:tc>
-                <a:tc>
-                  <a:txBody>
-                    <a:bodyPr/>
-                    <a:lstStyle/>
-                    <a:p>
-                      <a:pPr algn="ctr" latinLnBrk="1"/>
-                      <a:endParaRPr lang="ko-KR" altLang="en-US" dirty="0"/>
-                    </a:p>
-                  </a:txBody>
-                  <a:tcPr anchor="ctr"/>
-                </a:tc>
-                <a:extLst>
-                  <a:ext uri="{0D108BD9-81ED-4DB2-BD59-A6C34878D82A}">
-                    <a16:rowId xmlns:a16="http://schemas.microsoft.com/office/drawing/2014/main" val="716185451"/>
-                  </a:ext>
-                </a:extLst>
-              </a:tr>
-              <a:tr h="774619">
-                <a:tc>
-                  <a:txBody>
-                    <a:bodyPr/>
-                    <a:lstStyle/>
-                    <a:p>
-                      <a:pPr algn="ctr" latinLnBrk="1"/>
-                      <a:r>
-                        <a:rPr lang="ko-KR" altLang="en-US"/>
-                        <a:t>회원아이디</a:t>
-                      </a:r>
-                      <a:endParaRPr lang="ko-KR" altLang="en-US" dirty="0"/>
-                    </a:p>
-                  </a:txBody>
-                  <a:tcPr anchor="ctr"/>
-                </a:tc>
-                <a:tc>
-                  <a:txBody>
-                    <a:bodyPr/>
-                    <a:lstStyle/>
-                    <a:p>
-                      <a:pPr algn="ctr" latinLnBrk="1"/>
-                      <a:r>
-                        <a:rPr lang="en-US" altLang="ko-KR" dirty="0"/>
-                        <a:t>Varchar(20)</a:t>
-                      </a:r>
-                      <a:endParaRPr lang="ko-KR" altLang="en-US" dirty="0"/>
-                    </a:p>
-                  </a:txBody>
-                  <a:tcPr anchor="ctr"/>
-                </a:tc>
-                <a:tc>
-                  <a:txBody>
-                    <a:bodyPr/>
-                    <a:lstStyle/>
-                    <a:p>
-                      <a:pPr algn="ctr" latinLnBrk="1"/>
-                      <a:r>
-                        <a:rPr lang="en-US" altLang="ko-KR" dirty="0"/>
-                        <a:t>N</a:t>
-                      </a:r>
-                      <a:endParaRPr lang="ko-KR" altLang="en-US" dirty="0"/>
-                    </a:p>
-                  </a:txBody>
-                  <a:tcPr anchor="ctr"/>
-                </a:tc>
-                <a:tc>
-                  <a:txBody>
-                    <a:bodyPr/>
-                    <a:lstStyle/>
-                    <a:p>
-                      <a:pPr algn="ctr" latinLnBrk="1"/>
-                      <a:endParaRPr lang="ko-KR" altLang="en-US" dirty="0"/>
-                    </a:p>
-                  </a:txBody>
-                  <a:tcPr anchor="ctr"/>
-                </a:tc>
-                <a:tc>
-                  <a:txBody>
-                    <a:bodyPr/>
-                    <a:lstStyle/>
-                    <a:p>
-                      <a:pPr algn="ctr" latinLnBrk="1"/>
-                      <a:endParaRPr lang="ko-KR" altLang="en-US" dirty="0"/>
-                    </a:p>
-                  </a:txBody>
-                  <a:tcPr anchor="ctr"/>
-                </a:tc>
-                <a:tc>
-                  <a:txBody>
-                    <a:bodyPr/>
-                    <a:lstStyle/>
-                    <a:p>
-                      <a:pPr algn="ctr" latinLnBrk="1"/>
-                      <a:r>
-                        <a:rPr lang="en-US" altLang="ko-KR" dirty="0"/>
-                        <a:t>FC</a:t>
-                      </a:r>
-                      <a:endParaRPr lang="ko-KR" altLang="en-US" dirty="0"/>
-                    </a:p>
-                  </a:txBody>
-                  <a:tcPr anchor="ctr"/>
-                </a:tc>
-                <a:tc>
-                  <a:txBody>
-                    <a:bodyPr/>
-                    <a:lstStyle/>
-                    <a:p>
-                      <a:pPr algn="ctr" latinLnBrk="1"/>
-                      <a:endParaRPr lang="ko-KR" altLang="en-US" dirty="0"/>
-                    </a:p>
-                  </a:txBody>
-                  <a:tcPr anchor="ctr"/>
-                </a:tc>
-                <a:extLst>
-                  <a:ext uri="{0D108BD9-81ED-4DB2-BD59-A6C34878D82A}">
-                    <a16:rowId xmlns:a16="http://schemas.microsoft.com/office/drawing/2014/main" val="3592021016"/>
-                  </a:ext>
-                </a:extLst>
-              </a:tr>
-              <a:tr h="448788">
-                <a:tc>
-                  <a:txBody>
-                    <a:bodyPr/>
-                    <a:lstStyle/>
-                    <a:p>
-                      <a:pPr algn="ctr" latinLnBrk="1"/>
-                      <a:r>
-                        <a:rPr lang="ko-KR" altLang="en-US" dirty="0"/>
-                        <a:t>상품번호</a:t>
-                      </a:r>
-                    </a:p>
-                  </a:txBody>
-                  <a:tcPr anchor="ctr"/>
-                </a:tc>
-                <a:tc>
-                  <a:txBody>
-                    <a:bodyPr/>
-                    <a:lstStyle/>
-                    <a:p>
-                      <a:pPr algn="ctr" latinLnBrk="1"/>
-                      <a:r>
-                        <a:rPr lang="en-US" altLang="ko-KR" dirty="0"/>
-                        <a:t>Varchar(20)</a:t>
-                      </a:r>
-                      <a:endParaRPr lang="ko-KR" altLang="en-US" dirty="0"/>
-                    </a:p>
-                  </a:txBody>
-                  <a:tcPr anchor="ctr"/>
-                </a:tc>
-                <a:tc>
-                  <a:txBody>
-                    <a:bodyPr/>
-                    <a:lstStyle/>
-                    <a:p>
-                      <a:pPr algn="ctr" latinLnBrk="1"/>
-                      <a:r>
-                        <a:rPr lang="en-US" altLang="ko-KR" dirty="0"/>
-                        <a:t>N</a:t>
-                      </a:r>
-                      <a:endParaRPr lang="ko-KR" altLang="en-US" dirty="0"/>
-                    </a:p>
-                  </a:txBody>
-                  <a:tcPr anchor="ctr"/>
-                </a:tc>
-                <a:tc>
-                  <a:txBody>
-                    <a:bodyPr/>
-                    <a:lstStyle/>
-                    <a:p>
-                      <a:pPr algn="ctr" latinLnBrk="1"/>
-                      <a:endParaRPr lang="ko-KR" altLang="en-US" dirty="0"/>
-                    </a:p>
-                  </a:txBody>
-                  <a:tcPr anchor="ctr"/>
-                </a:tc>
-                <a:tc>
-                  <a:txBody>
-                    <a:bodyPr/>
-                    <a:lstStyle/>
-                    <a:p>
-                      <a:pPr algn="ctr" latinLnBrk="1"/>
-                      <a:endParaRPr lang="ko-KR" altLang="en-US"/>
-                    </a:p>
-                  </a:txBody>
-                  <a:tcPr anchor="ctr"/>
-                </a:tc>
-                <a:tc>
-                  <a:txBody>
-                    <a:bodyPr/>
-                    <a:lstStyle/>
-                    <a:p>
-                      <a:pPr algn="ctr" latinLnBrk="1"/>
-                      <a:r>
-                        <a:rPr lang="en-US" altLang="ko-KR" dirty="0"/>
-                        <a:t>FC</a:t>
-                      </a:r>
-                      <a:endParaRPr lang="ko-KR" altLang="en-US" dirty="0"/>
-                    </a:p>
-                  </a:txBody>
-                  <a:tcPr anchor="ctr"/>
-                </a:tc>
-                <a:tc>
-                  <a:txBody>
-                    <a:bodyPr/>
-                    <a:lstStyle/>
-                    <a:p>
-                      <a:pPr algn="ctr" latinLnBrk="1"/>
-                      <a:endParaRPr lang="ko-KR" altLang="en-US" dirty="0"/>
-                    </a:p>
-                  </a:txBody>
-                  <a:tcPr anchor="ctr"/>
-                </a:tc>
-                <a:extLst>
-                  <a:ext uri="{0D108BD9-81ED-4DB2-BD59-A6C34878D82A}">
-                    <a16:rowId xmlns:a16="http://schemas.microsoft.com/office/drawing/2014/main" val="1274623780"/>
                   </a:ext>
                 </a:extLst>
               </a:tr>
@@ -8855,7 +8279,7 @@
     </p:spTree>
     <p:extLst>
       <p:ext uri="{BB962C8B-B14F-4D97-AF65-F5344CB8AC3E}">
-        <p14:creationId xmlns:p14="http://schemas.microsoft.com/office/powerpoint/2010/main" val="2835678201"/>
+        <p14:creationId xmlns:p14="http://schemas.microsoft.com/office/powerpoint/2010/main" val="4111811627"/>
       </p:ext>
     </p:extLst>
   </p:cSld>
@@ -9181,23 +8605,6 @@
 </file>
 
 <file path=customXml/item1.xml><?xml version="1.0" encoding="utf-8"?>
-<p:properties xmlns:p="http://schemas.microsoft.com/office/2006/metadata/properties" xmlns:xsi="http://www.w3.org/2001/XMLSchema-instance" xmlns:pc="http://schemas.microsoft.com/office/infopath/2007/PartnerControls">
-  <documentManagement>
-    <_activity xmlns="0132d4f7-3ff6-42a6-9c84-a78a808c16d0" xsi:nil="true"/>
-  </documentManagement>
-</p:properties>
-</file>
-
-<file path=customXml/item2.xml><?xml version="1.0" encoding="utf-8"?>
-<?mso-contentType ?>
-<FormTemplates xmlns="http://schemas.microsoft.com/sharepoint/v3/contenttype/forms">
-  <Display>DocumentLibraryForm</Display>
-  <Edit>DocumentLibraryForm</Edit>
-  <New>DocumentLibraryForm</New>
-</FormTemplates>
-</file>
-
-<file path=customXml/item3.xml><?xml version="1.0" encoding="utf-8"?>
 <ct:contentTypeSchema xmlns:ct="http://schemas.microsoft.com/office/2006/metadata/contentType" xmlns:ma="http://schemas.microsoft.com/office/2006/metadata/properties/metaAttributes" ct:_="" ma:_="" ma:contentTypeName="문서" ma:contentTypeID="0x01010005EFDECECAE815428E4874546E1D19C3" ma:contentTypeVersion="10" ma:contentTypeDescription="새 문서를 만듭니다." ma:contentTypeScope="" ma:versionID="66b9dc675fd3f0df76994283d786bbcb">
   <xsd:schema xmlns:xsd="http://www.w3.org/2001/XMLSchema" xmlns:xs="http://www.w3.org/2001/XMLSchema" xmlns:p="http://schemas.microsoft.com/office/2006/metadata/properties" xmlns:ns3="0132d4f7-3ff6-42a6-9c84-a78a808c16d0" targetNamespace="http://schemas.microsoft.com/office/2006/metadata/properties" ma:root="true" ma:fieldsID="cfb47be8371f2b39d6a6c7cd855d24ba" ns3:_="">
     <xsd:import namespace="0132d4f7-3ff6-42a6-9c84-a78a808c16d0"/>
@@ -9379,31 +8786,24 @@
 </ct:contentTypeSchema>
 </file>
 
-<file path=customXml/itemProps1.xml><?xml version="1.0" encoding="utf-8"?>
-<ds:datastoreItem xmlns:ds="http://schemas.openxmlformats.org/officeDocument/2006/customXml" ds:itemID="{54B9FF47-4544-4801-BD97-FA3D84817361}">
-  <ds:schemaRefs>
-    <ds:schemaRef ds:uri="http://schemas.microsoft.com/office/infopath/2007/PartnerControls"/>
-    <ds:schemaRef ds:uri="http://schemas.microsoft.com/office/2006/metadata/properties"/>
-    <ds:schemaRef ds:uri="http://purl.org/dc/elements/1.1/"/>
-    <ds:schemaRef ds:uri="http://purl.org/dc/terms/"/>
-    <ds:schemaRef ds:uri="http://schemas.openxmlformats.org/package/2006/metadata/core-properties"/>
-    <ds:schemaRef ds:uri="http://purl.org/dc/dcmitype/"/>
-    <ds:schemaRef ds:uri="http://schemas.microsoft.com/office/2006/documentManagement/types"/>
-    <ds:schemaRef ds:uri="0132d4f7-3ff6-42a6-9c84-a78a808c16d0"/>
-    <ds:schemaRef ds:uri="http://www.w3.org/XML/1998/namespace"/>
-  </ds:schemaRefs>
-</ds:datastoreItem>
+<file path=customXml/item2.xml><?xml version="1.0" encoding="utf-8"?>
+<?mso-contentType ?>
+<FormTemplates xmlns="http://schemas.microsoft.com/sharepoint/v3/contenttype/forms">
+  <Display>DocumentLibraryForm</Display>
+  <Edit>DocumentLibraryForm</Edit>
+  <New>DocumentLibraryForm</New>
+</FormTemplates>
 </file>
 
-<file path=customXml/itemProps2.xml><?xml version="1.0" encoding="utf-8"?>
-<ds:datastoreItem xmlns:ds="http://schemas.openxmlformats.org/officeDocument/2006/customXml" ds:itemID="{2DF260D9-F4FD-40C8-A78A-44C3591446FA}">
-  <ds:schemaRefs>
-    <ds:schemaRef ds:uri="http://schemas.microsoft.com/sharepoint/v3/contenttype/forms"/>
-  </ds:schemaRefs>
-</ds:datastoreItem>
+<file path=customXml/item3.xml><?xml version="1.0" encoding="utf-8"?>
+<p:properties xmlns:p="http://schemas.microsoft.com/office/2006/metadata/properties" xmlns:xsi="http://www.w3.org/2001/XMLSchema-instance" xmlns:pc="http://schemas.microsoft.com/office/infopath/2007/PartnerControls">
+  <documentManagement>
+    <_activity xmlns="0132d4f7-3ff6-42a6-9c84-a78a808c16d0" xsi:nil="true"/>
+  </documentManagement>
+</p:properties>
 </file>
 
-<file path=customXml/itemProps3.xml><?xml version="1.0" encoding="utf-8"?>
+<file path=customXml/itemProps1.xml><?xml version="1.0" encoding="utf-8"?>
 <ds:datastoreItem xmlns:ds="http://schemas.openxmlformats.org/officeDocument/2006/customXml" ds:itemID="{EDD9E380-65C9-401E-93C5-28BA33C1A9B1}">
   <ds:schemaRefs>
     <ds:schemaRef ds:uri="http://schemas.microsoft.com/office/2006/metadata/contentType"/>
@@ -9419,4 +8819,28 @@
     <ds:schemaRef ds:uri="http://schemas.microsoft.com/internal/obd"/>
   </ds:schemaRefs>
 </ds:datastoreItem>
+</file>
+
+<file path=customXml/itemProps2.xml><?xml version="1.0" encoding="utf-8"?>
+<ds:datastoreItem xmlns:ds="http://schemas.openxmlformats.org/officeDocument/2006/customXml" ds:itemID="{2DF260D9-F4FD-40C8-A78A-44C3591446FA}">
+  <ds:schemaRefs>
+    <ds:schemaRef ds:uri="http://schemas.microsoft.com/sharepoint/v3/contenttype/forms"/>
+  </ds:schemaRefs>
+</ds:datastoreItem>
+</file>
+
+<file path=customXml/itemProps3.xml><?xml version="1.0" encoding="utf-8"?>
+<ds:datastoreItem xmlns:ds="http://schemas.openxmlformats.org/officeDocument/2006/customXml" ds:itemID="{54B9FF47-4544-4801-BD97-FA3D84817361}">
+  <ds:schemaRefs>
+    <ds:schemaRef ds:uri="http://schemas.microsoft.com/office/infopath/2007/PartnerControls"/>
+    <ds:schemaRef ds:uri="http://schemas.microsoft.com/office/2006/metadata/properties"/>
+    <ds:schemaRef ds:uri="http://purl.org/dc/elements/1.1/"/>
+    <ds:schemaRef ds:uri="http://purl.org/dc/terms/"/>
+    <ds:schemaRef ds:uri="http://schemas.openxmlformats.org/package/2006/metadata/core-properties"/>
+    <ds:schemaRef ds:uri="http://purl.org/dc/dcmitype/"/>
+    <ds:schemaRef ds:uri="http://schemas.microsoft.com/office/2006/documentManagement/types"/>
+    <ds:schemaRef ds:uri="0132d4f7-3ff6-42a6-9c84-a78a808c16d0"/>
+    <ds:schemaRef ds:uri="http://www.w3.org/XML/1998/namespace"/>
+  </ds:schemaRefs>
+</ds:datastoreItem>
 </file>
--- a/테이블명세서.pptx
+++ b/테이블명세서.pptx
@@ -8,8 +8,8 @@
     <p:sldId id="257" r:id="rId5"/>
     <p:sldId id="256" r:id="rId6"/>
     <p:sldId id="258" r:id="rId7"/>
-    <p:sldId id="260" r:id="rId8"/>
-    <p:sldId id="259" r:id="rId9"/>
+    <p:sldId id="259" r:id="rId8"/>
+    <p:sldId id="260" r:id="rId9"/>
   </p:sldIdLst>
   <p:sldSz cx="12192000" cy="6858000"/>
   <p:notesSz cx="6858000" cy="9144000"/>
@@ -274,7 +274,7 @@
           <a:p>
             <a:fld id="{A3B6C0BC-2D36-4CAB-9236-43779D68D787}" type="datetimeFigureOut">
               <a:rPr lang="ko-KR" altLang="en-US" smtClean="0"/>
-              <a:t>2025-12-01</a:t>
+              <a:t>2025-11-17</a:t>
             </a:fld>
             <a:endParaRPr lang="ko-KR" altLang="en-US"/>
           </a:p>
@@ -472,7 +472,7 @@
           <a:p>
             <a:fld id="{A3B6C0BC-2D36-4CAB-9236-43779D68D787}" type="datetimeFigureOut">
               <a:rPr lang="ko-KR" altLang="en-US" smtClean="0"/>
-              <a:t>2025-12-01</a:t>
+              <a:t>2025-11-17</a:t>
             </a:fld>
             <a:endParaRPr lang="ko-KR" altLang="en-US"/>
           </a:p>
@@ -680,7 +680,7 @@
           <a:p>
             <a:fld id="{A3B6C0BC-2D36-4CAB-9236-43779D68D787}" type="datetimeFigureOut">
               <a:rPr lang="ko-KR" altLang="en-US" smtClean="0"/>
-              <a:t>2025-12-01</a:t>
+              <a:t>2025-11-17</a:t>
             </a:fld>
             <a:endParaRPr lang="ko-KR" altLang="en-US"/>
           </a:p>
@@ -878,7 +878,7 @@
           <a:p>
             <a:fld id="{A3B6C0BC-2D36-4CAB-9236-43779D68D787}" type="datetimeFigureOut">
               <a:rPr lang="ko-KR" altLang="en-US" smtClean="0"/>
-              <a:t>2025-12-01</a:t>
+              <a:t>2025-11-17</a:t>
             </a:fld>
             <a:endParaRPr lang="ko-KR" altLang="en-US"/>
           </a:p>
@@ -1153,7 +1153,7 @@
           <a:p>
             <a:fld id="{A3B6C0BC-2D36-4CAB-9236-43779D68D787}" type="datetimeFigureOut">
               <a:rPr lang="ko-KR" altLang="en-US" smtClean="0"/>
-              <a:t>2025-12-01</a:t>
+              <a:t>2025-11-17</a:t>
             </a:fld>
             <a:endParaRPr lang="ko-KR" altLang="en-US"/>
           </a:p>
@@ -1418,7 +1418,7 @@
           <a:p>
             <a:fld id="{A3B6C0BC-2D36-4CAB-9236-43779D68D787}" type="datetimeFigureOut">
               <a:rPr lang="ko-KR" altLang="en-US" smtClean="0"/>
-              <a:t>2025-12-01</a:t>
+              <a:t>2025-11-17</a:t>
             </a:fld>
             <a:endParaRPr lang="ko-KR" altLang="en-US"/>
           </a:p>
@@ -1830,7 +1830,7 @@
           <a:p>
             <a:fld id="{A3B6C0BC-2D36-4CAB-9236-43779D68D787}" type="datetimeFigureOut">
               <a:rPr lang="ko-KR" altLang="en-US" smtClean="0"/>
-              <a:t>2025-12-01</a:t>
+              <a:t>2025-11-17</a:t>
             </a:fld>
             <a:endParaRPr lang="ko-KR" altLang="en-US"/>
           </a:p>
@@ -1971,7 +1971,7 @@
           <a:p>
             <a:fld id="{A3B6C0BC-2D36-4CAB-9236-43779D68D787}" type="datetimeFigureOut">
               <a:rPr lang="ko-KR" altLang="en-US" smtClean="0"/>
-              <a:t>2025-12-01</a:t>
+              <a:t>2025-11-17</a:t>
             </a:fld>
             <a:endParaRPr lang="ko-KR" altLang="en-US"/>
           </a:p>
@@ -2084,7 +2084,7 @@
           <a:p>
             <a:fld id="{A3B6C0BC-2D36-4CAB-9236-43779D68D787}" type="datetimeFigureOut">
               <a:rPr lang="ko-KR" altLang="en-US" smtClean="0"/>
-              <a:t>2025-12-01</a:t>
+              <a:t>2025-11-17</a:t>
             </a:fld>
             <a:endParaRPr lang="ko-KR" altLang="en-US"/>
           </a:p>
@@ -2395,7 +2395,7 @@
           <a:p>
             <a:fld id="{A3B6C0BC-2D36-4CAB-9236-43779D68D787}" type="datetimeFigureOut">
               <a:rPr lang="ko-KR" altLang="en-US" smtClean="0"/>
-              <a:t>2025-12-01</a:t>
+              <a:t>2025-11-17</a:t>
             </a:fld>
             <a:endParaRPr lang="ko-KR" altLang="en-US"/>
           </a:p>
@@ -2683,7 +2683,7 @@
           <a:p>
             <a:fld id="{A3B6C0BC-2D36-4CAB-9236-43779D68D787}" type="datetimeFigureOut">
               <a:rPr lang="ko-KR" altLang="en-US" smtClean="0"/>
-              <a:t>2025-12-01</a:t>
+              <a:t>2025-11-17</a:t>
             </a:fld>
             <a:endParaRPr lang="ko-KR" altLang="en-US"/>
           </a:p>
@@ -2924,7 +2924,7 @@
           <a:p>
             <a:fld id="{A3B6C0BC-2D36-4CAB-9236-43779D68D787}" type="datetimeFigureOut">
               <a:rPr lang="ko-KR" altLang="en-US" smtClean="0"/>
-              <a:t>2025-12-01</a:t>
+              <a:t>2025-11-17</a:t>
             </a:fld>
             <a:endParaRPr lang="ko-KR" altLang="en-US"/>
           </a:p>
@@ -3356,7 +3356,7 @@
           <p:nvPr>
             <p:extLst>
               <p:ext uri="{D42A27DB-BD31-4B8C-83A1-F6EECF244321}">
-                <p14:modId xmlns:p14="http://schemas.microsoft.com/office/powerpoint/2010/main" val="1097727465"/>
+                <p14:modId xmlns:p14="http://schemas.microsoft.com/office/powerpoint/2010/main" val="3112601543"/>
               </p:ext>
             </p:extLst>
           </p:nvPr>
@@ -4054,7 +4054,14 @@
                     <a:lstStyle/>
                     <a:p>
                       <a:pPr algn="ctr" latinLnBrk="1"/>
-                      <a:endParaRPr lang="ko-KR" altLang="en-US" dirty="0"/>
+                      <a:r>
+                        <a:rPr lang="en-US" altLang="ko-KR" dirty="0"/>
+                        <a:t>0</a:t>
+                      </a:r>
+                      <a:r>
+                        <a:rPr lang="ko-KR" altLang="en-US" dirty="0"/>
+                        <a:t>이상</a:t>
+                      </a:r>
                     </a:p>
                   </a:txBody>
                   <a:tcPr anchor="ctr"/>
@@ -4149,14 +4156,7 @@
                     <a:lstStyle/>
                     <a:p>
                       <a:pPr algn="ctr" latinLnBrk="1"/>
-                      <a:r>
-                        <a:rPr lang="en-US" altLang="ko-KR" dirty="0"/>
-                        <a:t>0 </a:t>
-                      </a:r>
-                      <a:r>
-                        <a:rPr lang="ko-KR" altLang="en-US" dirty="0"/>
-                        <a:t>이상</a:t>
-                      </a:r>
+                      <a:endParaRPr lang="ko-KR" altLang="en-US" dirty="0"/>
                     </a:p>
                   </a:txBody>
                   <a:tcPr anchor="ctr"/>
@@ -4176,7 +4176,7 @@
                       <a:pPr algn="ctr" latinLnBrk="1"/>
                       <a:r>
                         <a:rPr lang="ko-KR" altLang="en-US" dirty="0"/>
-                        <a:t>이메일</a:t>
+                        <a:t>직업</a:t>
                       </a:r>
                     </a:p>
                   </a:txBody>
@@ -4190,7 +4190,7 @@
                       <a:pPr algn="ctr" latinLnBrk="1"/>
                       <a:r>
                         <a:rPr lang="en-US" altLang="ko-KR" dirty="0"/>
-                        <a:t>Varchar(50)</a:t>
+                        <a:t>Varchar(20)</a:t>
                       </a:r>
                       <a:endParaRPr lang="ko-KR" altLang="en-US" dirty="0"/>
                     </a:p>
@@ -4251,7 +4251,18 @@
                     <a:lstStyle/>
                     <a:p>
                       <a:pPr algn="ctr" latinLnBrk="1"/>
-                      <a:endParaRPr lang="ko-KR" altLang="en-US" dirty="0"/>
+                      <a:r>
+                        <a:rPr lang="en-US" altLang="ko-KR" dirty="0" err="1"/>
+                        <a:t>Sirver</a:t>
+                      </a:r>
+                      <a:r>
+                        <a:rPr lang="en-US" altLang="ko-KR" dirty="0"/>
+                        <a:t>, Gold, Vip </a:t>
+                      </a:r>
+                      <a:r>
+                        <a:rPr lang="ko-KR" altLang="en-US" dirty="0"/>
+                        <a:t>만 허용</a:t>
+                      </a:r>
                     </a:p>
                   </a:txBody>
                   <a:tcPr anchor="ctr"/>
@@ -4501,14 +4512,14 @@
           <p:nvPr>
             <p:extLst>
               <p:ext uri="{D42A27DB-BD31-4B8C-83A1-F6EECF244321}">
-                <p14:modId xmlns:p14="http://schemas.microsoft.com/office/powerpoint/2010/main" val="3899975231"/>
+                <p14:modId xmlns:p14="http://schemas.microsoft.com/office/powerpoint/2010/main" val="3282657375"/>
               </p:ext>
             </p:extLst>
           </p:nvPr>
         </p:nvGraphicFramePr>
         <p:xfrm>
           <a:off x="529389" y="513347"/>
-          <a:ext cx="11149264" cy="5325980"/>
+          <a:ext cx="11149264" cy="5482588"/>
         </p:xfrm>
         <a:graphic>
           <a:graphicData uri="http://schemas.openxmlformats.org/drawingml/2006/table">
@@ -4567,7 +4578,7 @@
                   </a:extLst>
                 </a:gridCol>
               </a:tblGrid>
-              <a:tr h="627294">
+              <a:tr h="448788">
                 <a:tc gridSpan="7">
                   <a:txBody>
                     <a:bodyPr/>
@@ -4658,7 +4669,7 @@
                   </a:ext>
                 </a:extLst>
               </a:tr>
-              <a:tr h="627294">
+              <a:tr h="448788">
                 <a:tc gridSpan="3">
                   <a:txBody>
                     <a:bodyPr/>
@@ -4764,7 +4775,7 @@
                   </a:ext>
                 </a:extLst>
               </a:tr>
-              <a:tr h="651356">
+              <a:tr h="466003">
                 <a:tc>
                   <a:txBody>
                     <a:bodyPr/>
@@ -4956,7 +4967,7 @@
                   </a:ext>
                 </a:extLst>
               </a:tr>
-              <a:tr h="1082724">
+              <a:tr h="774619">
                 <a:tc>
                   <a:txBody>
                     <a:bodyPr/>
@@ -5055,7 +5066,7 @@
                   </a:ext>
                 </a:extLst>
               </a:tr>
-              <a:tr h="1082724">
+              <a:tr h="774619">
                 <a:tc>
                   <a:txBody>
                     <a:bodyPr/>
@@ -5150,7 +5161,7 @@
                   </a:ext>
                 </a:extLst>
               </a:tr>
-              <a:tr h="627294">
+              <a:tr h="448788">
                 <a:tc>
                   <a:txBody>
                     <a:bodyPr/>
@@ -5256,7 +5267,7 @@
                   </a:ext>
                 </a:extLst>
               </a:tr>
-              <a:tr h="627294">
+              <a:tr h="448788">
                 <a:tc>
                   <a:txBody>
                     <a:bodyPr/>
@@ -5359,6 +5370,299 @@
                 <a:extLst>
                   <a:ext uri="{0D108BD9-81ED-4DB2-BD59-A6C34878D82A}">
                     <a16:rowId xmlns:a16="http://schemas.microsoft.com/office/drawing/2014/main" val="716185451"/>
+                  </a:ext>
+                </a:extLst>
+              </a:tr>
+              <a:tr h="774619">
+                <a:tc>
+                  <a:txBody>
+                    <a:bodyPr/>
+                    <a:lstStyle/>
+                    <a:p>
+                      <a:pPr algn="ctr" latinLnBrk="1"/>
+                      <a:r>
+                        <a:rPr lang="ko-KR" altLang="en-US" dirty="0"/>
+                        <a:t>재조업체명</a:t>
+                      </a:r>
+                    </a:p>
+                  </a:txBody>
+                  <a:tcPr anchor="ctr"/>
+                </a:tc>
+                <a:tc>
+                  <a:txBody>
+                    <a:bodyPr/>
+                    <a:lstStyle/>
+                    <a:p>
+                      <a:pPr algn="ctr" latinLnBrk="1"/>
+                      <a:r>
+                        <a:rPr lang="en-US" altLang="ko-KR" dirty="0"/>
+                        <a:t>Varchar(30)</a:t>
+                      </a:r>
+                      <a:endParaRPr lang="ko-KR" altLang="en-US" dirty="0"/>
+                    </a:p>
+                  </a:txBody>
+                  <a:tcPr anchor="ctr"/>
+                </a:tc>
+                <a:tc>
+                  <a:txBody>
+                    <a:bodyPr/>
+                    <a:lstStyle/>
+                    <a:p>
+                      <a:pPr algn="ctr" latinLnBrk="1"/>
+                      <a:r>
+                        <a:rPr lang="en-US" altLang="ko-KR" dirty="0"/>
+                        <a:t>N</a:t>
+                      </a:r>
+                      <a:endParaRPr lang="ko-KR" altLang="en-US" dirty="0"/>
+                    </a:p>
+                  </a:txBody>
+                  <a:tcPr anchor="ctr"/>
+                </a:tc>
+                <a:tc>
+                  <a:txBody>
+                    <a:bodyPr/>
+                    <a:lstStyle/>
+                    <a:p>
+                      <a:pPr algn="ctr" latinLnBrk="1"/>
+                      <a:endParaRPr lang="ko-KR" altLang="en-US" dirty="0"/>
+                    </a:p>
+                  </a:txBody>
+                  <a:tcPr anchor="ctr"/>
+                </a:tc>
+                <a:tc>
+                  <a:txBody>
+                    <a:bodyPr/>
+                    <a:lstStyle/>
+                    <a:p>
+                      <a:pPr algn="ctr" latinLnBrk="1"/>
+                      <a:endParaRPr lang="ko-KR" altLang="en-US" dirty="0"/>
+                    </a:p>
+                  </a:txBody>
+                  <a:tcPr anchor="ctr"/>
+                </a:tc>
+                <a:tc>
+                  <a:txBody>
+                    <a:bodyPr/>
+                    <a:lstStyle/>
+                    <a:p>
+                      <a:pPr algn="ctr" latinLnBrk="1"/>
+                      <a:r>
+                        <a:rPr lang="en-US" altLang="ko-KR" dirty="0"/>
+                        <a:t>FC</a:t>
+                      </a:r>
+                      <a:endParaRPr lang="ko-KR" altLang="en-US" dirty="0"/>
+                    </a:p>
+                  </a:txBody>
+                  <a:tcPr anchor="ctr"/>
+                </a:tc>
+                <a:tc>
+                  <a:txBody>
+                    <a:bodyPr/>
+                    <a:lstStyle/>
+                    <a:p>
+                      <a:pPr algn="ctr" latinLnBrk="1"/>
+                      <a:endParaRPr lang="ko-KR" altLang="en-US" dirty="0"/>
+                    </a:p>
+                  </a:txBody>
+                  <a:tcPr anchor="ctr"/>
+                </a:tc>
+                <a:extLst>
+                  <a:ext uri="{0D108BD9-81ED-4DB2-BD59-A6C34878D82A}">
+                    <a16:rowId xmlns:a16="http://schemas.microsoft.com/office/drawing/2014/main" val="3592021016"/>
+                  </a:ext>
+                </a:extLst>
+              </a:tr>
+              <a:tr h="448788">
+                <a:tc>
+                  <a:txBody>
+                    <a:bodyPr/>
+                    <a:lstStyle/>
+                    <a:p>
+                      <a:pPr algn="ctr" latinLnBrk="1"/>
+                      <a:r>
+                        <a:rPr lang="ko-KR" altLang="en-US" dirty="0"/>
+                        <a:t>공급일자</a:t>
+                      </a:r>
+                    </a:p>
+                  </a:txBody>
+                  <a:tcPr anchor="ctr"/>
+                </a:tc>
+                <a:tc>
+                  <a:txBody>
+                    <a:bodyPr/>
+                    <a:lstStyle/>
+                    <a:p>
+                      <a:pPr algn="ctr" latinLnBrk="1"/>
+                      <a:r>
+                        <a:rPr lang="en-US" altLang="ko-KR" dirty="0"/>
+                        <a:t>Date</a:t>
+                      </a:r>
+                      <a:endParaRPr lang="ko-KR" altLang="en-US" dirty="0"/>
+                    </a:p>
+                  </a:txBody>
+                  <a:tcPr anchor="ctr"/>
+                </a:tc>
+                <a:tc>
+                  <a:txBody>
+                    <a:bodyPr/>
+                    <a:lstStyle/>
+                    <a:p>
+                      <a:pPr algn="ctr" latinLnBrk="1"/>
+                      <a:r>
+                        <a:rPr lang="en-US" altLang="ko-KR" dirty="0"/>
+                        <a:t>N</a:t>
+                      </a:r>
+                      <a:endParaRPr lang="ko-KR" altLang="en-US" dirty="0"/>
+                    </a:p>
+                  </a:txBody>
+                  <a:tcPr anchor="ctr"/>
+                </a:tc>
+                <a:tc>
+                  <a:txBody>
+                    <a:bodyPr/>
+                    <a:lstStyle/>
+                    <a:p>
+                      <a:pPr algn="ctr" latinLnBrk="1"/>
+                      <a:endParaRPr lang="ko-KR" altLang="en-US" dirty="0"/>
+                    </a:p>
+                  </a:txBody>
+                  <a:tcPr anchor="ctr"/>
+                </a:tc>
+                <a:tc>
+                  <a:txBody>
+                    <a:bodyPr/>
+                    <a:lstStyle/>
+                    <a:p>
+                      <a:pPr algn="ctr" latinLnBrk="1"/>
+                      <a:endParaRPr lang="ko-KR" altLang="en-US"/>
+                    </a:p>
+                  </a:txBody>
+                  <a:tcPr anchor="ctr"/>
+                </a:tc>
+                <a:tc>
+                  <a:txBody>
+                    <a:bodyPr/>
+                    <a:lstStyle/>
+                    <a:p>
+                      <a:pPr algn="ctr" latinLnBrk="1"/>
+                      <a:endParaRPr lang="ko-KR" altLang="en-US" dirty="0"/>
+                    </a:p>
+                  </a:txBody>
+                  <a:tcPr anchor="ctr"/>
+                </a:tc>
+                <a:tc>
+                  <a:txBody>
+                    <a:bodyPr/>
+                    <a:lstStyle/>
+                    <a:p>
+                      <a:pPr algn="ctr" latinLnBrk="1"/>
+                      <a:endParaRPr lang="ko-KR" altLang="en-US" dirty="0"/>
+                    </a:p>
+                  </a:txBody>
+                  <a:tcPr anchor="ctr"/>
+                </a:tc>
+                <a:extLst>
+                  <a:ext uri="{0D108BD9-81ED-4DB2-BD59-A6C34878D82A}">
+                    <a16:rowId xmlns:a16="http://schemas.microsoft.com/office/drawing/2014/main" val="1274623780"/>
+                  </a:ext>
+                </a:extLst>
+              </a:tr>
+              <a:tr h="448788">
+                <a:tc>
+                  <a:txBody>
+                    <a:bodyPr/>
+                    <a:lstStyle/>
+                    <a:p>
+                      <a:pPr algn="ctr" latinLnBrk="1"/>
+                      <a:r>
+                        <a:rPr lang="ko-KR" altLang="en-US" dirty="0"/>
+                        <a:t>공급량</a:t>
+                      </a:r>
+                    </a:p>
+                  </a:txBody>
+                  <a:tcPr anchor="ctr"/>
+                </a:tc>
+                <a:tc>
+                  <a:txBody>
+                    <a:bodyPr/>
+                    <a:lstStyle/>
+                    <a:p>
+                      <a:pPr algn="ctr" latinLnBrk="1"/>
+                      <a:r>
+                        <a:rPr lang="en-US" altLang="ko-KR" dirty="0"/>
+                        <a:t>Number</a:t>
+                      </a:r>
+                      <a:endParaRPr lang="ko-KR" altLang="en-US" dirty="0"/>
+                    </a:p>
+                  </a:txBody>
+                  <a:tcPr anchor="ctr"/>
+                </a:tc>
+                <a:tc>
+                  <a:txBody>
+                    <a:bodyPr/>
+                    <a:lstStyle/>
+                    <a:p>
+                      <a:pPr algn="ctr" latinLnBrk="1"/>
+                      <a:r>
+                        <a:rPr lang="en-US" altLang="ko-KR" dirty="0"/>
+                        <a:t>N</a:t>
+                      </a:r>
+                      <a:endParaRPr lang="ko-KR" altLang="en-US" dirty="0"/>
+                    </a:p>
+                  </a:txBody>
+                  <a:tcPr anchor="ctr"/>
+                </a:tc>
+                <a:tc>
+                  <a:txBody>
+                    <a:bodyPr/>
+                    <a:lstStyle/>
+                    <a:p>
+                      <a:pPr algn="ctr" latinLnBrk="1"/>
+                      <a:r>
+                        <a:rPr lang="en-US" altLang="ko-KR" dirty="0"/>
+                        <a:t>0</a:t>
+                      </a:r>
+                      <a:endParaRPr lang="ko-KR" altLang="en-US" dirty="0"/>
+                    </a:p>
+                  </a:txBody>
+                  <a:tcPr anchor="ctr"/>
+                </a:tc>
+                <a:tc>
+                  <a:txBody>
+                    <a:bodyPr/>
+                    <a:lstStyle/>
+                    <a:p>
+                      <a:pPr algn="ctr" latinLnBrk="1"/>
+                      <a:endParaRPr lang="ko-KR" altLang="en-US"/>
+                    </a:p>
+                  </a:txBody>
+                  <a:tcPr anchor="ctr"/>
+                </a:tc>
+                <a:tc>
+                  <a:txBody>
+                    <a:bodyPr/>
+                    <a:lstStyle/>
+                    <a:p>
+                      <a:pPr algn="ctr" latinLnBrk="1"/>
+                      <a:endParaRPr lang="ko-KR" altLang="en-US"/>
+                    </a:p>
+                  </a:txBody>
+                  <a:tcPr anchor="ctr"/>
+                </a:tc>
+                <a:tc>
+                  <a:txBody>
+                    <a:bodyPr/>
+                    <a:lstStyle/>
+                    <a:p>
+                      <a:pPr algn="ctr" latinLnBrk="1"/>
+                      <a:endParaRPr lang="ko-KR" altLang="en-US" dirty="0"/>
+                    </a:p>
+                  </a:txBody>
+                  <a:tcPr anchor="ctr"/>
+                </a:tc>
+                <a:extLst>
+                  <a:ext uri="{0D108BD9-81ED-4DB2-BD59-A6C34878D82A}">
+                    <a16:rowId xmlns:a16="http://schemas.microsoft.com/office/drawing/2014/main" val="2206722107"/>
                   </a:ext>
                 </a:extLst>
               </a:tr>
@@ -5417,7 +5721,7 @@
           <p:nvPr>
             <p:extLst>
               <p:ext uri="{D42A27DB-BD31-4B8C-83A1-F6EECF244321}">
-                <p14:modId xmlns:p14="http://schemas.microsoft.com/office/powerpoint/2010/main" val="1189509236"/>
+                <p14:modId xmlns:p14="http://schemas.microsoft.com/office/powerpoint/2010/main" val="233149808"/>
               </p:ext>
             </p:extLst>
           </p:nvPr>
@@ -5631,7 +5935,7 @@
                             <a:schemeClr val="bg1"/>
                           </a:solidFill>
                         </a:rPr>
-                        <a:t>저장</a:t>
+                        <a:t>제조업체</a:t>
                       </a:r>
                     </a:p>
                   </a:txBody>
@@ -5881,7 +6185,7 @@
                       <a:pPr algn="ctr" latinLnBrk="1"/>
                       <a:r>
                         <a:rPr lang="ko-KR" altLang="en-US" dirty="0"/>
-                        <a:t>장바구니번호</a:t>
+                        <a:t>제조업체명</a:t>
                       </a:r>
                     </a:p>
                   </a:txBody>
@@ -5895,7 +6199,7 @@
                       <a:pPr algn="ctr" latinLnBrk="1"/>
                       <a:r>
                         <a:rPr lang="en-US" altLang="ko-KR" dirty="0"/>
-                        <a:t>Varchar(20)</a:t>
+                        <a:t>Varchar(30)</a:t>
                       </a:r>
                       <a:endParaRPr lang="ko-KR" altLang="en-US" dirty="0"/>
                     </a:p>
@@ -5980,7 +6284,7 @@
                       <a:pPr algn="ctr" latinLnBrk="1"/>
                       <a:r>
                         <a:rPr lang="ko-KR" altLang="en-US" dirty="0"/>
-                        <a:t>상품번호</a:t>
+                        <a:t>전화번호</a:t>
                       </a:r>
                     </a:p>
                   </a:txBody>
@@ -6044,11 +6348,7 @@
                     <a:lstStyle/>
                     <a:p>
                       <a:pPr algn="ctr" latinLnBrk="1"/>
-                      <a:r>
-                        <a:rPr lang="en-US" altLang="ko-KR" dirty="0"/>
-                        <a:t>FC</a:t>
-                      </a:r>
-                      <a:endParaRPr lang="ko-KR" altLang="en-US" dirty="0"/>
+                      <a:endParaRPr lang="ko-KR" altLang="en-US"/>
                     </a:p>
                   </a:txBody>
                   <a:tcPr anchor="ctr"/>
@@ -6079,7 +6379,7 @@
                       <a:pPr algn="ctr" latinLnBrk="1"/>
                       <a:r>
                         <a:rPr lang="ko-KR" altLang="en-US" dirty="0"/>
-                        <a:t>상품명</a:t>
+                        <a:t>위치</a:t>
                       </a:r>
                     </a:p>
                   </a:txBody>
@@ -6093,7 +6393,7 @@
                       <a:pPr algn="ctr" latinLnBrk="1"/>
                       <a:r>
                         <a:rPr lang="en-US" altLang="ko-KR" dirty="0"/>
-                        <a:t>Varchar(50)</a:t>
+                        <a:t>Varchar(20)</a:t>
                       </a:r>
                       <a:endParaRPr lang="ko-KR" altLang="en-US" dirty="0"/>
                     </a:p>
@@ -6174,7 +6474,7 @@
                       <a:pPr algn="ctr" latinLnBrk="1"/>
                       <a:r>
                         <a:rPr lang="ko-KR" altLang="en-US" dirty="0"/>
-                        <a:t>재고량</a:t>
+                        <a:t>공급일자</a:t>
                       </a:r>
                     </a:p>
                   </a:txBody>
@@ -6188,7 +6488,7 @@
                       <a:pPr algn="ctr" latinLnBrk="1"/>
                       <a:r>
                         <a:rPr lang="en-US" altLang="ko-KR" dirty="0"/>
-                        <a:t>Number</a:t>
+                        <a:t>Date</a:t>
                       </a:r>
                       <a:endParaRPr lang="ko-KR" altLang="en-US" dirty="0"/>
                     </a:p>
@@ -6269,7 +6569,7 @@
                       <a:pPr algn="ctr" latinLnBrk="1"/>
                       <a:r>
                         <a:rPr lang="ko-KR" altLang="en-US" dirty="0"/>
-                        <a:t>단가</a:t>
+                        <a:t>공급량</a:t>
                       </a:r>
                     </a:p>
                   </a:txBody>
@@ -6384,7 +6684,7 @@
         <p:cNvPr id="1" name="">
           <a:extLst>
             <a:ext uri="{FF2B5EF4-FFF2-40B4-BE49-F238E27FC236}">
-              <a16:creationId xmlns:a16="http://schemas.microsoft.com/office/drawing/2014/main" id="{72768BB6-982E-3140-938B-97B733A1AA5D}"/>
+              <a16:creationId xmlns:a16="http://schemas.microsoft.com/office/drawing/2014/main" id="{DB1C6CDA-73DE-87AB-A06B-A0EEB49F29CD}"/>
             </a:ext>
           </a:extLst>
         </p:cNvPr>
@@ -6404,7 +6704,7 @@
           <p:cNvPr id="6" name="표 5">
             <a:extLst>
               <a:ext uri="{FF2B5EF4-FFF2-40B4-BE49-F238E27FC236}">
-                <a16:creationId xmlns:a16="http://schemas.microsoft.com/office/drawing/2014/main" id="{2C7DE92F-323D-12AD-B45B-23DC9DCFEA7C}"/>
+                <a16:creationId xmlns:a16="http://schemas.microsoft.com/office/drawing/2014/main" id="{5380C78E-DB92-3922-5C77-C369ECA39321}"/>
               </a:ext>
             </a:extLst>
           </p:cNvPr>
@@ -6414,7 +6714,7 @@
           <p:nvPr>
             <p:extLst>
               <p:ext uri="{D42A27DB-BD31-4B8C-83A1-F6EECF244321}">
-                <p14:modId xmlns:p14="http://schemas.microsoft.com/office/powerpoint/2010/main" val="424272649"/>
+                <p14:modId xmlns:p14="http://schemas.microsoft.com/office/powerpoint/2010/main" val="2692878172"/>
               </p:ext>
             </p:extLst>
           </p:nvPr>
@@ -6628,7 +6928,7 @@
                             <a:schemeClr val="bg1"/>
                           </a:solidFill>
                         </a:rPr>
-                        <a:t>주문</a:t>
+                        <a:t>게시물</a:t>
                       </a:r>
                     </a:p>
                   </a:txBody>
@@ -6877,9 +7177,10 @@
                     <a:p>
                       <a:pPr algn="ctr" latinLnBrk="1"/>
                       <a:r>
-                        <a:rPr lang="ko-KR" altLang="en-US" dirty="0"/>
-                        <a:t>주문번호</a:t>
-                      </a:r>
+                        <a:rPr lang="ko-KR" altLang="en-US" dirty="0" err="1"/>
+                        <a:t>글번호</a:t>
+                      </a:r>
+                      <a:endParaRPr lang="ko-KR" altLang="en-US" dirty="0"/>
                     </a:p>
                   </a:txBody>
                   <a:tcPr anchor="ctr"/>
@@ -6976,9 +7277,10 @@
                     <a:p>
                       <a:pPr algn="ctr" latinLnBrk="1"/>
                       <a:r>
-                        <a:rPr lang="ko-KR" altLang="en-US" dirty="0"/>
-                        <a:t>배송지</a:t>
-                      </a:r>
+                        <a:rPr lang="ko-KR" altLang="en-US" dirty="0" err="1"/>
+                        <a:t>글제목</a:t>
+                      </a:r>
+                      <a:endParaRPr lang="ko-KR" altLang="en-US" dirty="0"/>
                     </a:p>
                   </a:txBody>
                   <a:tcPr anchor="ctr"/>
@@ -7071,9 +7373,10 @@
                     <a:p>
                       <a:pPr algn="ctr" latinLnBrk="1"/>
                       <a:r>
-                        <a:rPr lang="ko-KR" altLang="en-US" dirty="0"/>
-                        <a:t>주문일자</a:t>
-                      </a:r>
+                        <a:rPr lang="ko-KR" altLang="en-US" dirty="0" err="1"/>
+                        <a:t>글내용</a:t>
+                      </a:r>
+                      <a:endParaRPr lang="ko-KR" altLang="en-US" dirty="0"/>
                     </a:p>
                   </a:txBody>
                   <a:tcPr anchor="ctr"/>
@@ -7086,7 +7389,7 @@
                       <a:pPr algn="ctr" latinLnBrk="1"/>
                       <a:r>
                         <a:rPr lang="en-US" altLang="ko-KR" dirty="0"/>
-                        <a:t>Date</a:t>
+                        <a:t>Varchar(400)</a:t>
                       </a:r>
                       <a:endParaRPr lang="ko-KR" altLang="en-US" dirty="0"/>
                     </a:p>
@@ -7167,7 +7470,7 @@
                       <a:pPr algn="ctr" latinLnBrk="1"/>
                       <a:r>
                         <a:rPr lang="ko-KR" altLang="en-US" dirty="0"/>
-                        <a:t>주문수량</a:t>
+                        <a:t>작성일자</a:t>
                       </a:r>
                     </a:p>
                   </a:txBody>
@@ -7181,7 +7484,7 @@
                       <a:pPr algn="ctr" latinLnBrk="1"/>
                       <a:r>
                         <a:rPr lang="en-US" altLang="ko-KR" dirty="0"/>
-                        <a:t>Number</a:t>
+                        <a:t>Date</a:t>
                       </a:r>
                       <a:endParaRPr lang="ko-KR" altLang="en-US" dirty="0"/>
                     </a:p>
@@ -7242,14 +7545,7 @@
                     <a:lstStyle/>
                     <a:p>
                       <a:pPr algn="ctr" latinLnBrk="1"/>
-                      <a:r>
-                        <a:rPr lang="en-US" altLang="ko-KR" dirty="0"/>
-                        <a:t>0 </a:t>
-                      </a:r>
-                      <a:r>
-                        <a:rPr lang="ko-KR" altLang="en-US" dirty="0"/>
-                        <a:t>이상</a:t>
-                      </a:r>
+                      <a:endParaRPr lang="ko-KR" altLang="en-US" dirty="0"/>
                     </a:p>
                   </a:txBody>
                   <a:tcPr anchor="ctr"/>
@@ -7268,7 +7564,7 @@
                     <a:p>
                       <a:pPr algn="ctr" latinLnBrk="1"/>
                       <a:r>
-                        <a:rPr lang="ko-KR" altLang="en-US"/>
+                        <a:rPr lang="ko-KR" altLang="en-US" dirty="0" err="1"/>
                         <a:t>회원아이디</a:t>
                       </a:r>
                       <a:endParaRPr lang="ko-KR" altLang="en-US" dirty="0"/>
@@ -7466,7 +7762,7 @@
     </p:spTree>
     <p:extLst>
       <p:ext uri="{BB962C8B-B14F-4D97-AF65-F5344CB8AC3E}">
-        <p14:creationId xmlns:p14="http://schemas.microsoft.com/office/powerpoint/2010/main" val="2835678201"/>
+        <p14:creationId xmlns:p14="http://schemas.microsoft.com/office/powerpoint/2010/main" val="4111811627"/>
       </p:ext>
     </p:extLst>
   </p:cSld>
@@ -7484,7 +7780,7 @@
         <p:cNvPr id="1" name="">
           <a:extLst>
             <a:ext uri="{FF2B5EF4-FFF2-40B4-BE49-F238E27FC236}">
-              <a16:creationId xmlns:a16="http://schemas.microsoft.com/office/drawing/2014/main" id="{DB1C6CDA-73DE-87AB-A06B-A0EEB49F29CD}"/>
+              <a16:creationId xmlns:a16="http://schemas.microsoft.com/office/drawing/2014/main" id="{72768BB6-982E-3140-938B-97B733A1AA5D}"/>
             </a:ext>
           </a:extLst>
         </p:cNvPr>
@@ -7504,7 +7800,7 @@
           <p:cNvPr id="6" name="표 5">
             <a:extLst>
               <a:ext uri="{FF2B5EF4-FFF2-40B4-BE49-F238E27FC236}">
-                <a16:creationId xmlns:a16="http://schemas.microsoft.com/office/drawing/2014/main" id="{5380C78E-DB92-3922-5C77-C369ECA39321}"/>
+                <a16:creationId xmlns:a16="http://schemas.microsoft.com/office/drawing/2014/main" id="{2C7DE92F-323D-12AD-B45B-23DC9DCFEA7C}"/>
               </a:ext>
             </a:extLst>
           </p:cNvPr>
@@ -7514,14 +7810,14 @@
           <p:nvPr>
             <p:extLst>
               <p:ext uri="{D42A27DB-BD31-4B8C-83A1-F6EECF244321}">
-                <p14:modId xmlns:p14="http://schemas.microsoft.com/office/powerpoint/2010/main" val="2810780478"/>
+                <p14:modId xmlns:p14="http://schemas.microsoft.com/office/powerpoint/2010/main" val="489338014"/>
               </p:ext>
             </p:extLst>
           </p:nvPr>
         </p:nvGraphicFramePr>
         <p:xfrm>
           <a:off x="529389" y="513347"/>
-          <a:ext cx="11149264" cy="5197640"/>
+          <a:ext cx="11149264" cy="5033800"/>
         </p:xfrm>
         <a:graphic>
           <a:graphicData uri="http://schemas.openxmlformats.org/drawingml/2006/table">
@@ -7580,7 +7876,7 @@
                   </a:extLst>
                 </a:gridCol>
               </a:tblGrid>
-              <a:tr h="693906">
+              <a:tr h="448788">
                 <a:tc gridSpan="7">
                   <a:txBody>
                     <a:bodyPr/>
@@ -7671,7 +7967,7 @@
                   </a:ext>
                 </a:extLst>
               </a:tr>
-              <a:tr h="693906">
+              <a:tr h="448788">
                 <a:tc gridSpan="3">
                   <a:txBody>
                     <a:bodyPr/>
@@ -7723,18 +8019,13 @@
                     <a:p>
                       <a:pPr algn="ctr" latinLnBrk="1"/>
                       <a:r>
-                        <a:rPr lang="ko-KR" altLang="en-US" b="1" dirty="0" err="1">
+                        <a:rPr lang="ko-KR" altLang="en-US" b="1" dirty="0">
                           <a:solidFill>
                             <a:schemeClr val="bg1"/>
                           </a:solidFill>
                         </a:rPr>
-                        <a:t>룩북</a:t>
-                      </a:r>
-                      <a:endParaRPr lang="ko-KR" altLang="en-US" b="1" dirty="0">
-                        <a:solidFill>
-                          <a:schemeClr val="bg1"/>
-                        </a:solidFill>
-                      </a:endParaRPr>
+                        <a:t>주문</a:t>
+                      </a:r>
                     </a:p>
                   </a:txBody>
                   <a:tcPr anchor="ctr">
@@ -7782,7 +8073,7 @@
                   </a:ext>
                 </a:extLst>
               </a:tr>
-              <a:tr h="720524">
+              <a:tr h="466003">
                 <a:tc>
                   <a:txBody>
                     <a:bodyPr/>
@@ -7974,18 +8265,17 @@
                   </a:ext>
                 </a:extLst>
               </a:tr>
-              <a:tr h="1197699">
-                <a:tc>
-                  <a:txBody>
-                    <a:bodyPr/>
-                    <a:lstStyle/>
-                    <a:p>
-                      <a:pPr algn="ctr" latinLnBrk="1"/>
-                      <a:r>
-                        <a:rPr lang="ko-KR" altLang="en-US" dirty="0" err="1"/>
-                        <a:t>룩북번호</a:t>
-                      </a:r>
-                      <a:endParaRPr lang="ko-KR" altLang="en-US" dirty="0"/>
+              <a:tr h="774619">
+                <a:tc>
+                  <a:txBody>
+                    <a:bodyPr/>
+                    <a:lstStyle/>
+                    <a:p>
+                      <a:pPr algn="ctr" latinLnBrk="1"/>
+                      <a:r>
+                        <a:rPr lang="ko-KR" altLang="en-US" dirty="0"/>
+                        <a:t>주문번호</a:t>
+                      </a:r>
                     </a:p>
                   </a:txBody>
                   <a:tcPr anchor="ctr"/>
@@ -8074,18 +8364,17 @@
                   </a:ext>
                 </a:extLst>
               </a:tr>
-              <a:tr h="1197699">
-                <a:tc>
-                  <a:txBody>
-                    <a:bodyPr/>
-                    <a:lstStyle/>
-                    <a:p>
-                      <a:pPr algn="ctr" latinLnBrk="1"/>
-                      <a:r>
-                        <a:rPr lang="ko-KR" altLang="en-US" dirty="0" err="1"/>
-                        <a:t>룩북이름</a:t>
-                      </a:r>
-                      <a:endParaRPr lang="ko-KR" altLang="en-US" dirty="0"/>
+              <a:tr h="774619">
+                <a:tc>
+                  <a:txBody>
+                    <a:bodyPr/>
+                    <a:lstStyle/>
+                    <a:p>
+                      <a:pPr algn="ctr" latinLnBrk="1"/>
+                      <a:r>
+                        <a:rPr lang="ko-KR" altLang="en-US" dirty="0"/>
+                        <a:t>배송지</a:t>
+                      </a:r>
                     </a:p>
                   </a:txBody>
                   <a:tcPr anchor="ctr"/>
@@ -8098,7 +8387,7 @@
                       <a:pPr algn="ctr" latinLnBrk="1"/>
                       <a:r>
                         <a:rPr lang="en-US" altLang="ko-KR" dirty="0"/>
-                        <a:t>Varchar(20)</a:t>
+                        <a:t>Varchar(50)</a:t>
                       </a:r>
                       <a:endParaRPr lang="ko-KR" altLang="en-US" dirty="0"/>
                     </a:p>
@@ -8170,7 +8459,7 @@
                   </a:ext>
                 </a:extLst>
               </a:tr>
-              <a:tr h="693906">
+              <a:tr h="448788">
                 <a:tc>
                   <a:txBody>
                     <a:bodyPr/>
@@ -8179,7 +8468,7 @@
                       <a:pPr algn="ctr" latinLnBrk="1"/>
                       <a:r>
                         <a:rPr lang="ko-KR" altLang="en-US" dirty="0"/>
-                        <a:t>출시가격</a:t>
+                        <a:t>주문일자</a:t>
                       </a:r>
                     </a:p>
                   </a:txBody>
@@ -8193,7 +8482,7 @@
                       <a:pPr algn="ctr" latinLnBrk="1"/>
                       <a:r>
                         <a:rPr lang="en-US" altLang="ko-KR" dirty="0"/>
-                        <a:t>Number</a:t>
+                        <a:t>Date</a:t>
                       </a:r>
                       <a:endParaRPr lang="ko-KR" altLang="en-US" dirty="0"/>
                     </a:p>
@@ -8254,14 +8543,7 @@
                     <a:lstStyle/>
                     <a:p>
                       <a:pPr algn="ctr" latinLnBrk="1"/>
-                      <a:r>
-                        <a:rPr lang="en-US" altLang="ko-KR" dirty="0"/>
-                        <a:t>0 </a:t>
-                      </a:r>
-                      <a:r>
-                        <a:rPr lang="ko-KR" altLang="en-US" dirty="0"/>
-                        <a:t>이상</a:t>
-                      </a:r>
+                      <a:endParaRPr lang="ko-KR" altLang="en-US" dirty="0"/>
                     </a:p>
                   </a:txBody>
                   <a:tcPr anchor="ctr"/>
@@ -8269,6 +8551,300 @@
                 <a:extLst>
                   <a:ext uri="{0D108BD9-81ED-4DB2-BD59-A6C34878D82A}">
                     <a16:rowId xmlns:a16="http://schemas.microsoft.com/office/drawing/2014/main" val="4279304536"/>
+                  </a:ext>
+                </a:extLst>
+              </a:tr>
+              <a:tr h="448788">
+                <a:tc>
+                  <a:txBody>
+                    <a:bodyPr/>
+                    <a:lstStyle/>
+                    <a:p>
+                      <a:pPr algn="ctr" latinLnBrk="1"/>
+                      <a:r>
+                        <a:rPr lang="ko-KR" altLang="en-US" dirty="0"/>
+                        <a:t>주문수량</a:t>
+                      </a:r>
+                    </a:p>
+                  </a:txBody>
+                  <a:tcPr anchor="ctr"/>
+                </a:tc>
+                <a:tc>
+                  <a:txBody>
+                    <a:bodyPr/>
+                    <a:lstStyle/>
+                    <a:p>
+                      <a:pPr algn="ctr" latinLnBrk="1"/>
+                      <a:r>
+                        <a:rPr lang="en-US" altLang="ko-KR" dirty="0"/>
+                        <a:t>Number</a:t>
+                      </a:r>
+                      <a:endParaRPr lang="ko-KR" altLang="en-US" dirty="0"/>
+                    </a:p>
+                  </a:txBody>
+                  <a:tcPr anchor="ctr"/>
+                </a:tc>
+                <a:tc>
+                  <a:txBody>
+                    <a:bodyPr/>
+                    <a:lstStyle/>
+                    <a:p>
+                      <a:pPr algn="ctr" latinLnBrk="1"/>
+                      <a:r>
+                        <a:rPr lang="en-US" altLang="ko-KR" dirty="0"/>
+                        <a:t>N</a:t>
+                      </a:r>
+                      <a:endParaRPr lang="ko-KR" altLang="en-US" dirty="0"/>
+                    </a:p>
+                  </a:txBody>
+                  <a:tcPr anchor="ctr"/>
+                </a:tc>
+                <a:tc>
+                  <a:txBody>
+                    <a:bodyPr/>
+                    <a:lstStyle/>
+                    <a:p>
+                      <a:pPr algn="ctr" latinLnBrk="1"/>
+                      <a:endParaRPr lang="ko-KR" altLang="en-US" dirty="0"/>
+                    </a:p>
+                  </a:txBody>
+                  <a:tcPr anchor="ctr"/>
+                </a:tc>
+                <a:tc>
+                  <a:txBody>
+                    <a:bodyPr/>
+                    <a:lstStyle/>
+                    <a:p>
+                      <a:pPr algn="ctr" latinLnBrk="1"/>
+                      <a:endParaRPr lang="ko-KR" altLang="en-US" dirty="0"/>
+                    </a:p>
+                  </a:txBody>
+                  <a:tcPr anchor="ctr"/>
+                </a:tc>
+                <a:tc>
+                  <a:txBody>
+                    <a:bodyPr/>
+                    <a:lstStyle/>
+                    <a:p>
+                      <a:pPr algn="ctr" latinLnBrk="1"/>
+                      <a:endParaRPr lang="ko-KR" altLang="en-US" dirty="0"/>
+                    </a:p>
+                  </a:txBody>
+                  <a:tcPr anchor="ctr"/>
+                </a:tc>
+                <a:tc>
+                  <a:txBody>
+                    <a:bodyPr/>
+                    <a:lstStyle/>
+                    <a:p>
+                      <a:pPr algn="ctr" latinLnBrk="1"/>
+                      <a:endParaRPr lang="ko-KR" altLang="en-US" dirty="0"/>
+                    </a:p>
+                  </a:txBody>
+                  <a:tcPr anchor="ctr"/>
+                </a:tc>
+                <a:extLst>
+                  <a:ext uri="{0D108BD9-81ED-4DB2-BD59-A6C34878D82A}">
+                    <a16:rowId xmlns:a16="http://schemas.microsoft.com/office/drawing/2014/main" val="716185451"/>
+                  </a:ext>
+                </a:extLst>
+              </a:tr>
+              <a:tr h="774619">
+                <a:tc>
+                  <a:txBody>
+                    <a:bodyPr/>
+                    <a:lstStyle/>
+                    <a:p>
+                      <a:pPr algn="ctr" latinLnBrk="1"/>
+                      <a:r>
+                        <a:rPr lang="ko-KR" altLang="en-US"/>
+                        <a:t>회원아이디</a:t>
+                      </a:r>
+                      <a:endParaRPr lang="ko-KR" altLang="en-US" dirty="0"/>
+                    </a:p>
+                  </a:txBody>
+                  <a:tcPr anchor="ctr"/>
+                </a:tc>
+                <a:tc>
+                  <a:txBody>
+                    <a:bodyPr/>
+                    <a:lstStyle/>
+                    <a:p>
+                      <a:pPr algn="ctr" latinLnBrk="1"/>
+                      <a:r>
+                        <a:rPr lang="en-US" altLang="ko-KR" dirty="0"/>
+                        <a:t>Varchar(20)</a:t>
+                      </a:r>
+                      <a:endParaRPr lang="ko-KR" altLang="en-US" dirty="0"/>
+                    </a:p>
+                  </a:txBody>
+                  <a:tcPr anchor="ctr"/>
+                </a:tc>
+                <a:tc>
+                  <a:txBody>
+                    <a:bodyPr/>
+                    <a:lstStyle/>
+                    <a:p>
+                      <a:pPr algn="ctr" latinLnBrk="1"/>
+                      <a:r>
+                        <a:rPr lang="en-US" altLang="ko-KR" dirty="0"/>
+                        <a:t>N</a:t>
+                      </a:r>
+                      <a:endParaRPr lang="ko-KR" altLang="en-US" dirty="0"/>
+                    </a:p>
+                  </a:txBody>
+                  <a:tcPr anchor="ctr"/>
+                </a:tc>
+                <a:tc>
+                  <a:txBody>
+                    <a:bodyPr/>
+                    <a:lstStyle/>
+                    <a:p>
+                      <a:pPr algn="ctr" latinLnBrk="1"/>
+                      <a:endParaRPr lang="ko-KR" altLang="en-US" dirty="0"/>
+                    </a:p>
+                  </a:txBody>
+                  <a:tcPr anchor="ctr"/>
+                </a:tc>
+                <a:tc>
+                  <a:txBody>
+                    <a:bodyPr/>
+                    <a:lstStyle/>
+                    <a:p>
+                      <a:pPr algn="ctr" latinLnBrk="1"/>
+                      <a:endParaRPr lang="ko-KR" altLang="en-US" dirty="0"/>
+                    </a:p>
+                  </a:txBody>
+                  <a:tcPr anchor="ctr"/>
+                </a:tc>
+                <a:tc>
+                  <a:txBody>
+                    <a:bodyPr/>
+                    <a:lstStyle/>
+                    <a:p>
+                      <a:pPr algn="ctr" latinLnBrk="1"/>
+                      <a:r>
+                        <a:rPr lang="en-US" altLang="ko-KR" dirty="0"/>
+                        <a:t>FC</a:t>
+                      </a:r>
+                      <a:endParaRPr lang="ko-KR" altLang="en-US" dirty="0"/>
+                    </a:p>
+                  </a:txBody>
+                  <a:tcPr anchor="ctr"/>
+                </a:tc>
+                <a:tc>
+                  <a:txBody>
+                    <a:bodyPr/>
+                    <a:lstStyle/>
+                    <a:p>
+                      <a:pPr algn="ctr" latinLnBrk="1"/>
+                      <a:endParaRPr lang="ko-KR" altLang="en-US" dirty="0"/>
+                    </a:p>
+                  </a:txBody>
+                  <a:tcPr anchor="ctr"/>
+                </a:tc>
+                <a:extLst>
+                  <a:ext uri="{0D108BD9-81ED-4DB2-BD59-A6C34878D82A}">
+                    <a16:rowId xmlns:a16="http://schemas.microsoft.com/office/drawing/2014/main" val="3592021016"/>
+                  </a:ext>
+                </a:extLst>
+              </a:tr>
+              <a:tr h="448788">
+                <a:tc>
+                  <a:txBody>
+                    <a:bodyPr/>
+                    <a:lstStyle/>
+                    <a:p>
+                      <a:pPr algn="ctr" latinLnBrk="1"/>
+                      <a:r>
+                        <a:rPr lang="ko-KR" altLang="en-US" dirty="0"/>
+                        <a:t>상품번호</a:t>
+                      </a:r>
+                    </a:p>
+                  </a:txBody>
+                  <a:tcPr anchor="ctr"/>
+                </a:tc>
+                <a:tc>
+                  <a:txBody>
+                    <a:bodyPr/>
+                    <a:lstStyle/>
+                    <a:p>
+                      <a:pPr algn="ctr" latinLnBrk="1"/>
+                      <a:r>
+                        <a:rPr lang="en-US" altLang="ko-KR" dirty="0"/>
+                        <a:t>Varchar(20)</a:t>
+                      </a:r>
+                      <a:endParaRPr lang="ko-KR" altLang="en-US" dirty="0"/>
+                    </a:p>
+                  </a:txBody>
+                  <a:tcPr anchor="ctr"/>
+                </a:tc>
+                <a:tc>
+                  <a:txBody>
+                    <a:bodyPr/>
+                    <a:lstStyle/>
+                    <a:p>
+                      <a:pPr algn="ctr" latinLnBrk="1"/>
+                      <a:r>
+                        <a:rPr lang="en-US" altLang="ko-KR" dirty="0"/>
+                        <a:t>N</a:t>
+                      </a:r>
+                      <a:endParaRPr lang="ko-KR" altLang="en-US" dirty="0"/>
+                    </a:p>
+                  </a:txBody>
+                  <a:tcPr anchor="ctr"/>
+                </a:tc>
+                <a:tc>
+                  <a:txBody>
+                    <a:bodyPr/>
+                    <a:lstStyle/>
+                    <a:p>
+                      <a:pPr algn="ctr" latinLnBrk="1"/>
+                      <a:endParaRPr lang="ko-KR" altLang="en-US" dirty="0"/>
+                    </a:p>
+                  </a:txBody>
+                  <a:tcPr anchor="ctr"/>
+                </a:tc>
+                <a:tc>
+                  <a:txBody>
+                    <a:bodyPr/>
+                    <a:lstStyle/>
+                    <a:p>
+                      <a:pPr algn="ctr" latinLnBrk="1"/>
+                      <a:endParaRPr lang="ko-KR" altLang="en-US"/>
+                    </a:p>
+                  </a:txBody>
+                  <a:tcPr anchor="ctr"/>
+                </a:tc>
+                <a:tc>
+                  <a:txBody>
+                    <a:bodyPr/>
+                    <a:lstStyle/>
+                    <a:p>
+                      <a:pPr algn="ctr" latinLnBrk="1"/>
+                      <a:r>
+                        <a:rPr lang="en-US" altLang="ko-KR" dirty="0"/>
+                        <a:t>FC</a:t>
+                      </a:r>
+                      <a:endParaRPr lang="ko-KR" altLang="en-US" dirty="0"/>
+                    </a:p>
+                  </a:txBody>
+                  <a:tcPr anchor="ctr"/>
+                </a:tc>
+                <a:tc>
+                  <a:txBody>
+                    <a:bodyPr/>
+                    <a:lstStyle/>
+                    <a:p>
+                      <a:pPr algn="ctr" latinLnBrk="1"/>
+                      <a:endParaRPr lang="ko-KR" altLang="en-US" dirty="0"/>
+                    </a:p>
+                  </a:txBody>
+                  <a:tcPr anchor="ctr"/>
+                </a:tc>
+                <a:extLst>
+                  <a:ext uri="{0D108BD9-81ED-4DB2-BD59-A6C34878D82A}">
+                    <a16:rowId xmlns:a16="http://schemas.microsoft.com/office/drawing/2014/main" val="1274623780"/>
                   </a:ext>
                 </a:extLst>
               </a:tr>
@@ -8279,7 +8855,7 @@
     </p:spTree>
     <p:extLst>
       <p:ext uri="{BB962C8B-B14F-4D97-AF65-F5344CB8AC3E}">
-        <p14:creationId xmlns:p14="http://schemas.microsoft.com/office/powerpoint/2010/main" val="4111811627"/>
+        <p14:creationId xmlns:p14="http://schemas.microsoft.com/office/powerpoint/2010/main" val="2835678201"/>
       </p:ext>
     </p:extLst>
   </p:cSld>
@@ -8605,6 +9181,23 @@
 </file>
 
 <file path=customXml/item1.xml><?xml version="1.0" encoding="utf-8"?>
+<p:properties xmlns:p="http://schemas.microsoft.com/office/2006/metadata/properties" xmlns:xsi="http://www.w3.org/2001/XMLSchema-instance" xmlns:pc="http://schemas.microsoft.com/office/infopath/2007/PartnerControls">
+  <documentManagement>
+    <_activity xmlns="0132d4f7-3ff6-42a6-9c84-a78a808c16d0" xsi:nil="true"/>
+  </documentManagement>
+</p:properties>
+</file>
+
+<file path=customXml/item2.xml><?xml version="1.0" encoding="utf-8"?>
+<?mso-contentType ?>
+<FormTemplates xmlns="http://schemas.microsoft.com/sharepoint/v3/contenttype/forms">
+  <Display>DocumentLibraryForm</Display>
+  <Edit>DocumentLibraryForm</Edit>
+  <New>DocumentLibraryForm</New>
+</FormTemplates>
+</file>
+
+<file path=customXml/item3.xml><?xml version="1.0" encoding="utf-8"?>
 <ct:contentTypeSchema xmlns:ct="http://schemas.microsoft.com/office/2006/metadata/contentType" xmlns:ma="http://schemas.microsoft.com/office/2006/metadata/properties/metaAttributes" ct:_="" ma:_="" ma:contentTypeName="문서" ma:contentTypeID="0x01010005EFDECECAE815428E4874546E1D19C3" ma:contentTypeVersion="10" ma:contentTypeDescription="새 문서를 만듭니다." ma:contentTypeScope="" ma:versionID="66b9dc675fd3f0df76994283d786bbcb">
   <xsd:schema xmlns:xsd="http://www.w3.org/2001/XMLSchema" xmlns:xs="http://www.w3.org/2001/XMLSchema" xmlns:p="http://schemas.microsoft.com/office/2006/metadata/properties" xmlns:ns3="0132d4f7-3ff6-42a6-9c84-a78a808c16d0" targetNamespace="http://schemas.microsoft.com/office/2006/metadata/properties" ma:root="true" ma:fieldsID="cfb47be8371f2b39d6a6c7cd855d24ba" ns3:_="">
     <xsd:import namespace="0132d4f7-3ff6-42a6-9c84-a78a808c16d0"/>
@@ -8786,24 +9379,31 @@
 </ct:contentTypeSchema>
 </file>
 
-<file path=customXml/item2.xml><?xml version="1.0" encoding="utf-8"?>
-<?mso-contentType ?>
-<FormTemplates xmlns="http://schemas.microsoft.com/sharepoint/v3/contenttype/forms">
-  <Display>DocumentLibraryForm</Display>
-  <Edit>DocumentLibraryForm</Edit>
-  <New>DocumentLibraryForm</New>
-</FormTemplates>
+<file path=customXml/itemProps1.xml><?xml version="1.0" encoding="utf-8"?>
+<ds:datastoreItem xmlns:ds="http://schemas.openxmlformats.org/officeDocument/2006/customXml" ds:itemID="{54B9FF47-4544-4801-BD97-FA3D84817361}">
+  <ds:schemaRefs>
+    <ds:schemaRef ds:uri="http://schemas.microsoft.com/office/infopath/2007/PartnerControls"/>
+    <ds:schemaRef ds:uri="http://schemas.microsoft.com/office/2006/metadata/properties"/>
+    <ds:schemaRef ds:uri="http://purl.org/dc/elements/1.1/"/>
+    <ds:schemaRef ds:uri="http://purl.org/dc/terms/"/>
+    <ds:schemaRef ds:uri="http://schemas.openxmlformats.org/package/2006/metadata/core-properties"/>
+    <ds:schemaRef ds:uri="http://purl.org/dc/dcmitype/"/>
+    <ds:schemaRef ds:uri="http://schemas.microsoft.com/office/2006/documentManagement/types"/>
+    <ds:schemaRef ds:uri="0132d4f7-3ff6-42a6-9c84-a78a808c16d0"/>
+    <ds:schemaRef ds:uri="http://www.w3.org/XML/1998/namespace"/>
+  </ds:schemaRefs>
+</ds:datastoreItem>
 </file>
 
-<file path=customXml/item3.xml><?xml version="1.0" encoding="utf-8"?>
-<p:properties xmlns:p="http://schemas.microsoft.com/office/2006/metadata/properties" xmlns:xsi="http://www.w3.org/2001/XMLSchema-instance" xmlns:pc="http://schemas.microsoft.com/office/infopath/2007/PartnerControls">
-  <documentManagement>
-    <_activity xmlns="0132d4f7-3ff6-42a6-9c84-a78a808c16d0" xsi:nil="true"/>
-  </documentManagement>
-</p:properties>
+<file path=customXml/itemProps2.xml><?xml version="1.0" encoding="utf-8"?>
+<ds:datastoreItem xmlns:ds="http://schemas.openxmlformats.org/officeDocument/2006/customXml" ds:itemID="{2DF260D9-F4FD-40C8-A78A-44C3591446FA}">
+  <ds:schemaRefs>
+    <ds:schemaRef ds:uri="http://schemas.microsoft.com/sharepoint/v3/contenttype/forms"/>
+  </ds:schemaRefs>
+</ds:datastoreItem>
 </file>
 
-<file path=customXml/itemProps1.xml><?xml version="1.0" encoding="utf-8"?>
+<file path=customXml/itemProps3.xml><?xml version="1.0" encoding="utf-8"?>
 <ds:datastoreItem xmlns:ds="http://schemas.openxmlformats.org/officeDocument/2006/customXml" ds:itemID="{EDD9E380-65C9-401E-93C5-28BA33C1A9B1}">
   <ds:schemaRefs>
     <ds:schemaRef ds:uri="http://schemas.microsoft.com/office/2006/metadata/contentType"/>
@@ -8819,28 +9419,4 @@
     <ds:schemaRef ds:uri="http://schemas.microsoft.com/internal/obd"/>
   </ds:schemaRefs>
 </ds:datastoreItem>
-</file>
-
-<file path=customXml/itemProps2.xml><?xml version="1.0" encoding="utf-8"?>
-<ds:datastoreItem xmlns:ds="http://schemas.openxmlformats.org/officeDocument/2006/customXml" ds:itemID="{2DF260D9-F4FD-40C8-A78A-44C3591446FA}">
-  <ds:schemaRefs>
-    <ds:schemaRef ds:uri="http://schemas.microsoft.com/sharepoint/v3/contenttype/forms"/>
-  </ds:schemaRefs>
-</ds:datastoreItem>
-</file>
-
-<file path=customXml/itemProps3.xml><?xml version="1.0" encoding="utf-8"?>
-<ds:datastoreItem xmlns:ds="http://schemas.openxmlformats.org/officeDocument/2006/customXml" ds:itemID="{54B9FF47-4544-4801-BD97-FA3D84817361}">
-  <ds:schemaRefs>
-    <ds:schemaRef ds:uri="http://schemas.microsoft.com/office/infopath/2007/PartnerControls"/>
-    <ds:schemaRef ds:uri="http://schemas.microsoft.com/office/2006/metadata/properties"/>
-    <ds:schemaRef ds:uri="http://purl.org/dc/elements/1.1/"/>
-    <ds:schemaRef ds:uri="http://purl.org/dc/terms/"/>
-    <ds:schemaRef ds:uri="http://schemas.openxmlformats.org/package/2006/metadata/core-properties"/>
-    <ds:schemaRef ds:uri="http://purl.org/dc/dcmitype/"/>
-    <ds:schemaRef ds:uri="http://schemas.microsoft.com/office/2006/documentManagement/types"/>
-    <ds:schemaRef ds:uri="0132d4f7-3ff6-42a6-9c84-a78a808c16d0"/>
-    <ds:schemaRef ds:uri="http://www.w3.org/XML/1998/namespace"/>
-  </ds:schemaRefs>
-</ds:datastoreItem>
 </file>